--- a/Notebooks/Nederlands/02 - Objecten datastructuren en operatoren/02 - Getallen.pptx
+++ b/Notebooks/Nederlands/02 - Objecten datastructuren en operatoren/02 - Getallen.pptx
@@ -151,6 +151,43 @@
     <p:sldId id="399" r:id="rId150"/>
     <p:sldId id="400" r:id="rId151"/>
     <p:sldId id="401" r:id="rId152"/>
+    <p:sldId id="402" r:id="rId153"/>
+    <p:sldId id="403" r:id="rId154"/>
+    <p:sldId id="404" r:id="rId155"/>
+    <p:sldId id="405" r:id="rId156"/>
+    <p:sldId id="406" r:id="rId157"/>
+    <p:sldId id="407" r:id="rId158"/>
+    <p:sldId id="408" r:id="rId159"/>
+    <p:sldId id="409" r:id="rId160"/>
+    <p:sldId id="410" r:id="rId161"/>
+    <p:sldId id="411" r:id="rId162"/>
+    <p:sldId id="412" r:id="rId163"/>
+    <p:sldId id="413" r:id="rId164"/>
+    <p:sldId id="414" r:id="rId165"/>
+    <p:sldId id="415" r:id="rId166"/>
+    <p:sldId id="416" r:id="rId167"/>
+    <p:sldId id="417" r:id="rId168"/>
+    <p:sldId id="418" r:id="rId169"/>
+    <p:sldId id="419" r:id="rId170"/>
+    <p:sldId id="420" r:id="rId171"/>
+    <p:sldId id="421" r:id="rId172"/>
+    <p:sldId id="422" r:id="rId173"/>
+    <p:sldId id="423" r:id="rId174"/>
+    <p:sldId id="424" r:id="rId175"/>
+    <p:sldId id="425" r:id="rId176"/>
+    <p:sldId id="426" r:id="rId177"/>
+    <p:sldId id="427" r:id="rId178"/>
+    <p:sldId id="428" r:id="rId179"/>
+    <p:sldId id="429" r:id="rId180"/>
+    <p:sldId id="430" r:id="rId181"/>
+    <p:sldId id="431" r:id="rId182"/>
+    <p:sldId id="432" r:id="rId183"/>
+    <p:sldId id="433" r:id="rId184"/>
+    <p:sldId id="434" r:id="rId185"/>
+    <p:sldId id="435" r:id="rId186"/>
+    <p:sldId id="436" r:id="rId187"/>
+    <p:sldId id="437" r:id="rId188"/>
+    <p:sldId id="438" r:id="rId189"/>
   </p:sldIdLst>
   <p:sldSz cx="9144000" cy="6858000" type="screen4x3"/>
   <p:notesSz cx="6858000" cy="9144000"/>
@@ -7179,6 +7216,201 @@
 </p:sld>
 </file>
 
+<file path=ppt/slides/slide147.xml><?xml version="1.0" encoding="utf-8"?>
+<p:sld xmlns:a="http://schemas.openxmlformats.org/drawingml/2006/main" xmlns:p="http://schemas.openxmlformats.org/presentationml/2006/main" xmlns:r="http://schemas.openxmlformats.org/officeDocument/2006/relationships">
+  <p:cSld>
+    <p:spTree>
+      <p:nvGrpSpPr>
+        <p:cNvPr id="1" name=""/>
+        <p:cNvGrpSpPr/>
+        <p:nvPr/>
+      </p:nvGrpSpPr>
+      <p:grpSpPr/>
+      <p:pic>
+        <p:nvPicPr>
+          <p:cNvPr id="2" name="Picture 1" descr="image.png"/>
+          <p:cNvPicPr>
+            <a:picLocks noChangeAspect="1"/>
+          </p:cNvPicPr>
+          <p:nvPr/>
+        </p:nvPicPr>
+        <p:blipFill>
+          <a:blip r:embed="rId2"/>
+          <a:stretch>
+            <a:fillRect/>
+          </a:stretch>
+        </p:blipFill>
+        <p:spPr>
+          <a:xfrm>
+            <a:off x="914400" y="914400"/>
+            <a:ext cx="5105400" cy="1346200"/>
+          </a:xfrm>
+          <a:prstGeom prst="rect">
+            <a:avLst/>
+          </a:prstGeom>
+        </p:spPr>
+      </p:pic>
+    </p:spTree>
+  </p:cSld>
+  <p:clrMapOvr>
+    <a:masterClrMapping/>
+  </p:clrMapOvr>
+</p:sld>
+</file>
+
+<file path=ppt/slides/slide148.xml><?xml version="1.0" encoding="utf-8"?>
+<p:sld xmlns:a="http://schemas.openxmlformats.org/drawingml/2006/main" xmlns:p="http://schemas.openxmlformats.org/presentationml/2006/main" xmlns:r="http://schemas.openxmlformats.org/officeDocument/2006/relationships">
+  <p:cSld>
+    <p:spTree>
+      <p:nvGrpSpPr>
+        <p:cNvPr id="1" name=""/>
+        <p:cNvGrpSpPr/>
+        <p:nvPr/>
+      </p:nvGrpSpPr>
+      <p:grpSpPr/>
+      <p:sp>
+        <p:nvSpPr>
+          <p:cNvPr id="2" name="TextBox 1"/>
+          <p:cNvSpPr txBox="1"/>
+          <p:nvPr/>
+        </p:nvSpPr>
+        <p:spPr>
+          <a:xfrm>
+            <a:off x="914400" y="914400"/>
+            <a:ext cx="914400" cy="914400"/>
+          </a:xfrm>
+          <a:prstGeom prst="rect">
+            <a:avLst/>
+          </a:prstGeom>
+          <a:noFill/>
+        </p:spPr>
+        <p:txBody>
+          <a:bodyPr wrap="none">
+            <a:spAutoFit/>
+          </a:bodyPr>
+          <a:lstStyle/>
+          <a:p>
+            <a:r>
+              <a:t>Info:</a:t>
+            </a:r>
+          </a:p>
+          <a:p>
+            <a:pPr>
+              <a:defRPr sz="1200"/>
+            </a:pPr>
+            <a:r>
+              <a:t>&lt;center&gt;</a:t>
+            </a:r>
+            <a:br/>
+            <a:r>
+              <a:t>    &lt;img src='https://intecbrussel.be/img/logo3.png' width='400px' height='auto'/&gt;</a:t>
+            </a:r>
+            <a:br/>
+            <a:r>
+              <a:t>    &lt;br/&gt;</a:t>
+            </a:r>
+            <a:br/>
+            <a:r>
+              <a:t>    &lt;em&gt;Python les-materialen&lt;/em&gt;</a:t>
+            </a:r>
+            <a:br/>
+            <a:r>
+              <a:t>&lt;/center&gt;</a:t>
+            </a:r>
+            <a:br/>
+          </a:p>
+        </p:txBody>
+      </p:sp>
+    </p:spTree>
+  </p:cSld>
+  <p:clrMapOvr>
+    <a:masterClrMapping/>
+  </p:clrMapOvr>
+</p:sld>
+</file>
+
+<file path=ppt/slides/slide149.xml><?xml version="1.0" encoding="utf-8"?>
+<p:sld xmlns:a="http://schemas.openxmlformats.org/drawingml/2006/main" xmlns:p="http://schemas.openxmlformats.org/presentationml/2006/main" xmlns:r="http://schemas.openxmlformats.org/officeDocument/2006/relationships">
+  <p:cSld>
+    <p:spTree>
+      <p:nvGrpSpPr>
+        <p:cNvPr id="1" name=""/>
+        <p:cNvGrpSpPr/>
+        <p:nvPr/>
+      </p:nvGrpSpPr>
+      <p:grpSpPr/>
+      <p:sp>
+        <p:nvSpPr>
+          <p:cNvPr id="2" name="TextBox 1"/>
+          <p:cNvSpPr txBox="1"/>
+          <p:nvPr/>
+        </p:nvSpPr>
+        <p:spPr>
+          <a:xfrm>
+            <a:off x="914400" y="914400"/>
+            <a:ext cx="914400" cy="914400"/>
+          </a:xfrm>
+          <a:prstGeom prst="rect">
+            <a:avLst/>
+          </a:prstGeom>
+          <a:noFill/>
+        </p:spPr>
+        <p:txBody>
+          <a:bodyPr wrap="none">
+            <a:spAutoFit/>
+          </a:bodyPr>
+          <a:lstStyle/>
+          <a:p>
+            <a:r>
+              <a:t>Info:</a:t>
+            </a:r>
+          </a:p>
+          <a:p>
+            <a:pPr>
+              <a:defRPr sz="1200"/>
+            </a:pPr>
+            <a:r>
+              <a:t># Getallen en meer in Python!</a:t>
+            </a:r>
+            <a:br/>
+            <a:br/>
+            <a:r>
+              <a:t>In deze lezing leren we over getallen in Python en hoe we ze kunnen gebruiken.</a:t>
+            </a:r>
+            <a:br/>
+            <a:br/>
+            <a:r>
+              <a:t>We leren over de volgende onderwerpen:</a:t>
+            </a:r>
+            <a:br/>
+            <a:br/>
+            <a:r>
+              <a:t>     1.) Soorten getallen in Python</a:t>
+            </a:r>
+            <a:br/>
+            <a:r>
+              <a:t>     2.) Basis rekenen</a:t>
+            </a:r>
+            <a:br/>
+            <a:r>
+              <a:t>     3.) Verschillen tussen klassieke indeling en vloerindeling</a:t>
+            </a:r>
+            <a:br/>
+            <a:r>
+              <a:t>     4.) Objecttoewijzing (EN: assignments) in Python</a:t>
+            </a:r>
+            <a:br/>
+          </a:p>
+        </p:txBody>
+      </p:sp>
+    </p:spTree>
+  </p:cSld>
+  <p:clrMapOvr>
+    <a:masterClrMapping/>
+  </p:clrMapOvr>
+</p:sld>
+</file>
+
 <file path=ppt/slides/slide15.xml><?xml version="1.0" encoding="utf-8"?>
 <p:sld xmlns:a="http://schemas.openxmlformats.org/drawingml/2006/main" xmlns:p="http://schemas.openxmlformats.org/presentationml/2006/main" xmlns:r="http://schemas.openxmlformats.org/officeDocument/2006/relationships">
   <p:cSld>
@@ -7240,6 +7472,668 @@
 </p:sld>
 </file>
 
+<file path=ppt/slides/slide150.xml><?xml version="1.0" encoding="utf-8"?>
+<p:sld xmlns:a="http://schemas.openxmlformats.org/drawingml/2006/main" xmlns:p="http://schemas.openxmlformats.org/presentationml/2006/main" xmlns:r="http://schemas.openxmlformats.org/officeDocument/2006/relationships">
+  <p:cSld>
+    <p:spTree>
+      <p:nvGrpSpPr>
+        <p:cNvPr id="1" name=""/>
+        <p:cNvGrpSpPr/>
+        <p:nvPr/>
+      </p:nvGrpSpPr>
+      <p:grpSpPr/>
+      <p:sp>
+        <p:nvSpPr>
+          <p:cNvPr id="2" name="TextBox 1"/>
+          <p:cNvSpPr txBox="1"/>
+          <p:nvPr/>
+        </p:nvSpPr>
+        <p:spPr>
+          <a:xfrm>
+            <a:off x="914400" y="914400"/>
+            <a:ext cx="914400" cy="914400"/>
+          </a:xfrm>
+          <a:prstGeom prst="rect">
+            <a:avLst/>
+          </a:prstGeom>
+          <a:noFill/>
+        </p:spPr>
+        <p:txBody>
+          <a:bodyPr wrap="none">
+            <a:spAutoFit/>
+          </a:bodyPr>
+          <a:lstStyle/>
+          <a:p>
+            <a:r>
+              <a:t>Info:</a:t>
+            </a:r>
+          </a:p>
+          <a:p>
+            <a:pPr>
+              <a:defRPr sz="1200"/>
+            </a:pPr>
+            <a:r>
+              <a:t>## Soorten nummers</a:t>
+            </a:r>
+            <a:br/>
+            <a:br/>
+            <a:r>
+              <a:t>Python heeft verschillende "types" getallen (numerieke letterlijke waarden). We zullen ons vooral concentreren op gehele getallen en getallen met drijvende komma.</a:t>
+            </a:r>
+            <a:br/>
+            <a:br/>
+            <a:r>
+              <a:t>Gehele getallen zijn slechts gehele getallen, positief of negatief. Bijvoorbeeld: 2 en -2 zijn voorbeelden van gehele getallen.</a:t>
+            </a:r>
+            <a:br/>
+            <a:br/>
+            <a:r>
+              <a:t>Drijvende-kommagetallen in Python zijn opmerkelijk omdat ze een decimaalteken bevatten of een exponentiÃ«le (e) gebruiken om het getal te definiÃ«ren. 2.0 en -2.1 zijn bijvoorbeeld voorbeelden van getallen met drijvende komma. 4E2 (4 keer 10 tot de macht 2) is ook een voorbeeld van een getal met drijvende komma in Python.</a:t>
+            </a:r>
+            <a:br/>
+            <a:br/>
+            <a:r>
+              <a:t>Gedurende deze cursus zullen we werken met gehele getallen of eenvoudige float-nummertypes.</a:t>
+            </a:r>
+            <a:br/>
+            <a:br/>
+            <a:r>
+              <a:t>Hier is een tabel met de twee hoofdtypen die we het grootste deel van onze tijd zullen besteden aan het werken met enkele voorbeelden:</a:t>
+            </a:r>
+            <a:br/>
+          </a:p>
+        </p:txBody>
+      </p:sp>
+    </p:spTree>
+  </p:cSld>
+  <p:clrMapOvr>
+    <a:masterClrMapping/>
+  </p:clrMapOvr>
+</p:sld>
+</file>
+
+<file path=ppt/slides/slide151.xml><?xml version="1.0" encoding="utf-8"?>
+<p:sld xmlns:a="http://schemas.openxmlformats.org/drawingml/2006/main" xmlns:p="http://schemas.openxmlformats.org/presentationml/2006/main" xmlns:r="http://schemas.openxmlformats.org/officeDocument/2006/relationships">
+  <p:cSld>
+    <p:spTree>
+      <p:nvGrpSpPr>
+        <p:cNvPr id="1" name=""/>
+        <p:cNvGrpSpPr/>
+        <p:nvPr/>
+      </p:nvGrpSpPr>
+      <p:grpSpPr/>
+      <p:sp>
+        <p:nvSpPr>
+          <p:cNvPr id="2" name="TextBox 1"/>
+          <p:cNvSpPr txBox="1"/>
+          <p:nvPr/>
+        </p:nvSpPr>
+        <p:spPr>
+          <a:xfrm>
+            <a:off x="914400" y="914400"/>
+            <a:ext cx="914400" cy="914400"/>
+          </a:xfrm>
+          <a:prstGeom prst="rect">
+            <a:avLst/>
+          </a:prstGeom>
+          <a:noFill/>
+        </p:spPr>
+        <p:txBody>
+          <a:bodyPr wrap="none">
+            <a:spAutoFit/>
+          </a:bodyPr>
+          <a:lstStyle/>
+          <a:p>
+            <a:r>
+              <a:t>Info:</a:t>
+            </a:r>
+          </a:p>
+          <a:p>
+            <a:pPr>
+              <a:defRPr sz="1200"/>
+            </a:pPr>
+            <a:r>
+              <a:t>&lt;table&gt;</a:t>
+            </a:r>
+            <a:br/>
+            <a:r>
+              <a:t>&lt;tr&gt;</a:t>
+            </a:r>
+            <a:br/>
+            <a:r>
+              <a:t>    &lt;th&gt;Voorbeelden&lt;/th&gt; </a:t>
+            </a:r>
+            <a:br/>
+            <a:r>
+              <a:t>    &lt;th&gt;Nummer-"Type"&lt;/th&gt;</a:t>
+            </a:r>
+            <a:br/>
+            <a:r>
+              <a:t>&lt;/tr&gt;</a:t>
+            </a:r>
+            <a:br/>
+            <a:br/>
+            <a:r>
+              <a:t>&lt;tr&gt;</a:t>
+            </a:r>
+            <a:br/>
+            <a:r>
+              <a:t>    &lt;td&gt;1,2,-5,1000&lt;/td&gt;</a:t>
+            </a:r>
+            <a:br/>
+            <a:r>
+              <a:t>    &lt;td&gt;Integers&lt;/td&gt; </a:t>
+            </a:r>
+            <a:br/>
+            <a:r>
+              <a:t>&lt;/tr&gt;</a:t>
+            </a:r>
+            <a:br/>
+            <a:br/>
+            <a:r>
+              <a:t>&lt;tr&gt;</a:t>
+            </a:r>
+            <a:br/>
+            <a:r>
+              <a:t>    &lt;td&gt;1.2,-0.5,2e2,3E2&lt;/td&gt; </a:t>
+            </a:r>
+            <a:br/>
+            <a:r>
+              <a:t>    &lt;td&gt;Floating-point nummers&lt;/td&gt; </a:t>
+            </a:r>
+            <a:br/>
+            <a:r>
+              <a:t>&lt;/tr&gt;</a:t>
+            </a:r>
+            <a:br/>
+            <a:r>
+              <a:t>&lt;/table&gt;</a:t>
+            </a:r>
+            <a:br/>
+          </a:p>
+        </p:txBody>
+      </p:sp>
+    </p:spTree>
+  </p:cSld>
+  <p:clrMapOvr>
+    <a:masterClrMapping/>
+  </p:clrMapOvr>
+</p:sld>
+</file>
+
+<file path=ppt/slides/slide152.xml><?xml version="1.0" encoding="utf-8"?>
+<p:sld xmlns:a="http://schemas.openxmlformats.org/drawingml/2006/main" xmlns:p="http://schemas.openxmlformats.org/presentationml/2006/main" xmlns:r="http://schemas.openxmlformats.org/officeDocument/2006/relationships">
+  <p:cSld>
+    <p:spTree>
+      <p:nvGrpSpPr>
+        <p:cNvPr id="1" name=""/>
+        <p:cNvGrpSpPr/>
+        <p:nvPr/>
+      </p:nvGrpSpPr>
+      <p:grpSpPr/>
+      <p:sp>
+        <p:nvSpPr>
+          <p:cNvPr id="2" name="TextBox 1"/>
+          <p:cNvSpPr txBox="1"/>
+          <p:nvPr/>
+        </p:nvSpPr>
+        <p:spPr>
+          <a:xfrm>
+            <a:off x="914400" y="914400"/>
+            <a:ext cx="914400" cy="914400"/>
+          </a:xfrm>
+          <a:prstGeom prst="rect">
+            <a:avLst/>
+          </a:prstGeom>
+          <a:noFill/>
+        </p:spPr>
+        <p:txBody>
+          <a:bodyPr wrap="none">
+            <a:spAutoFit/>
+          </a:bodyPr>
+          <a:lstStyle/>
+          <a:p>
+            <a:r>
+              <a:t>Info:</a:t>
+            </a:r>
+          </a:p>
+          <a:p>
+            <a:pPr>
+              <a:defRPr sz="1200"/>
+            </a:pPr>
+            <a:r>
+              <a:t> </a:t>
+            </a:r>
+            <a:br/>
+            <a:r>
+              <a:t> </a:t>
+            </a:r>
+            <a:br/>
+            <a:r>
+              <a:t>Laten we nu beginnen met wat basisrekenkunde.</a:t>
+            </a:r>
+            <a:br/>
+          </a:p>
+        </p:txBody>
+      </p:sp>
+    </p:spTree>
+  </p:cSld>
+  <p:clrMapOvr>
+    <a:masterClrMapping/>
+  </p:clrMapOvr>
+</p:sld>
+</file>
+
+<file path=ppt/slides/slide153.xml><?xml version="1.0" encoding="utf-8"?>
+<p:sld xmlns:a="http://schemas.openxmlformats.org/drawingml/2006/main" xmlns:p="http://schemas.openxmlformats.org/presentationml/2006/main" xmlns:r="http://schemas.openxmlformats.org/officeDocument/2006/relationships">
+  <p:cSld>
+    <p:spTree>
+      <p:nvGrpSpPr>
+        <p:cNvPr id="1" name=""/>
+        <p:cNvGrpSpPr/>
+        <p:nvPr/>
+      </p:nvGrpSpPr>
+      <p:grpSpPr/>
+      <p:sp>
+        <p:nvSpPr>
+          <p:cNvPr id="2" name="TextBox 1"/>
+          <p:cNvSpPr txBox="1"/>
+          <p:nvPr/>
+        </p:nvSpPr>
+        <p:spPr>
+          <a:xfrm>
+            <a:off x="914400" y="914400"/>
+            <a:ext cx="914400" cy="914400"/>
+          </a:xfrm>
+          <a:prstGeom prst="rect">
+            <a:avLst/>
+          </a:prstGeom>
+          <a:noFill/>
+        </p:spPr>
+        <p:txBody>
+          <a:bodyPr wrap="none">
+            <a:spAutoFit/>
+          </a:bodyPr>
+          <a:lstStyle/>
+          <a:p>
+            <a:r>
+              <a:t>Info:</a:t>
+            </a:r>
+          </a:p>
+          <a:p>
+            <a:pPr>
+              <a:defRPr sz="1200"/>
+            </a:pPr>
+            <a:r>
+              <a:t>### Basis rekenen</a:t>
+            </a:r>
+            <a:br/>
+          </a:p>
+        </p:txBody>
+      </p:sp>
+    </p:spTree>
+  </p:cSld>
+  <p:clrMapOvr>
+    <a:masterClrMapping/>
+  </p:clrMapOvr>
+</p:sld>
+</file>
+
+<file path=ppt/slides/slide154.xml><?xml version="1.0" encoding="utf-8"?>
+<p:sld xmlns:a="http://schemas.openxmlformats.org/drawingml/2006/main" xmlns:p="http://schemas.openxmlformats.org/presentationml/2006/main" xmlns:r="http://schemas.openxmlformats.org/officeDocument/2006/relationships">
+  <p:cSld>
+    <p:spTree>
+      <p:nvGrpSpPr>
+        <p:cNvPr id="1" name=""/>
+        <p:cNvGrpSpPr/>
+        <p:nvPr/>
+      </p:nvGrpSpPr>
+      <p:grpSpPr/>
+      <p:sp>
+        <p:nvSpPr>
+          <p:cNvPr id="2" name="TextBox 1"/>
+          <p:cNvSpPr txBox="1"/>
+          <p:nvPr/>
+        </p:nvSpPr>
+        <p:spPr>
+          <a:xfrm>
+            <a:off x="914400" y="914400"/>
+            <a:ext cx="914400" cy="914400"/>
+          </a:xfrm>
+          <a:prstGeom prst="rect">
+            <a:avLst/>
+          </a:prstGeom>
+          <a:noFill/>
+        </p:spPr>
+        <p:txBody>
+          <a:bodyPr wrap="none">
+            <a:spAutoFit/>
+          </a:bodyPr>
+          <a:lstStyle/>
+          <a:p>
+            <a:r>
+              <a:t>Python Code: </a:t>
+            </a:r>
+          </a:p>
+          <a:p>
+            <a:pPr>
+              <a:defRPr sz="1200"/>
+            </a:pPr>
+            <a:r>
+              <a:t>``` # Sum</a:t>
+            </a:r>
+            <a:br/>
+            <a:r>
+              <a:t> `````` 2+1 ```</a:t>
+            </a:r>
+            <a:br/>
+          </a:p>
+        </p:txBody>
+      </p:sp>
+    </p:spTree>
+  </p:cSld>
+  <p:clrMapOvr>
+    <a:masterClrMapping/>
+  </p:clrMapOvr>
+</p:sld>
+</file>
+
+<file path=ppt/slides/slide155.xml><?xml version="1.0" encoding="utf-8"?>
+<p:sld xmlns:a="http://schemas.openxmlformats.org/drawingml/2006/main" xmlns:p="http://schemas.openxmlformats.org/presentationml/2006/main" xmlns:r="http://schemas.openxmlformats.org/officeDocument/2006/relationships">
+  <p:cSld>
+    <p:spTree>
+      <p:nvGrpSpPr>
+        <p:cNvPr id="1" name=""/>
+        <p:cNvGrpSpPr/>
+        <p:nvPr/>
+      </p:nvGrpSpPr>
+      <p:grpSpPr/>
+      <p:sp>
+        <p:nvSpPr>
+          <p:cNvPr id="2" name="TextBox 1"/>
+          <p:cNvSpPr txBox="1"/>
+          <p:nvPr/>
+        </p:nvSpPr>
+        <p:spPr>
+          <a:xfrm>
+            <a:off x="914400" y="914400"/>
+            <a:ext cx="914400" cy="914400"/>
+          </a:xfrm>
+          <a:prstGeom prst="rect">
+            <a:avLst/>
+          </a:prstGeom>
+          <a:noFill/>
+        </p:spPr>
+        <p:txBody>
+          <a:bodyPr wrap="none">
+            <a:spAutoFit/>
+          </a:bodyPr>
+          <a:lstStyle/>
+          <a:p>
+            <a:r>
+              <a:t>Python Code: </a:t>
+            </a:r>
+          </a:p>
+          <a:p>
+            <a:pPr>
+              <a:defRPr sz="1200"/>
+            </a:pPr>
+            <a:r>
+              <a:t>``` # Aftrekken</a:t>
+            </a:r>
+            <a:br/>
+            <a:r>
+              <a:t> `````` 2-1 ```</a:t>
+            </a:r>
+            <a:br/>
+          </a:p>
+        </p:txBody>
+      </p:sp>
+    </p:spTree>
+  </p:cSld>
+  <p:clrMapOvr>
+    <a:masterClrMapping/>
+  </p:clrMapOvr>
+</p:sld>
+</file>
+
+<file path=ppt/slides/slide156.xml><?xml version="1.0" encoding="utf-8"?>
+<p:sld xmlns:a="http://schemas.openxmlformats.org/drawingml/2006/main" xmlns:p="http://schemas.openxmlformats.org/presentationml/2006/main" xmlns:r="http://schemas.openxmlformats.org/officeDocument/2006/relationships">
+  <p:cSld>
+    <p:spTree>
+      <p:nvGrpSpPr>
+        <p:cNvPr id="1" name=""/>
+        <p:cNvGrpSpPr/>
+        <p:nvPr/>
+      </p:nvGrpSpPr>
+      <p:grpSpPr/>
+      <p:sp>
+        <p:nvSpPr>
+          <p:cNvPr id="2" name="TextBox 1"/>
+          <p:cNvSpPr txBox="1"/>
+          <p:nvPr/>
+        </p:nvSpPr>
+        <p:spPr>
+          <a:xfrm>
+            <a:off x="914400" y="914400"/>
+            <a:ext cx="914400" cy="914400"/>
+          </a:xfrm>
+          <a:prstGeom prst="rect">
+            <a:avLst/>
+          </a:prstGeom>
+          <a:noFill/>
+        </p:spPr>
+        <p:txBody>
+          <a:bodyPr wrap="none">
+            <a:spAutoFit/>
+          </a:bodyPr>
+          <a:lstStyle/>
+          <a:p>
+            <a:r>
+              <a:t>Python Code: </a:t>
+            </a:r>
+          </a:p>
+          <a:p>
+            <a:pPr>
+              <a:defRPr sz="1200"/>
+            </a:pPr>
+            <a:r>
+              <a:t>``` # Vermenigvuldiging</a:t>
+            </a:r>
+            <a:br/>
+            <a:r>
+              <a:t> `````` 2*2 ```</a:t>
+            </a:r>
+            <a:br/>
+          </a:p>
+        </p:txBody>
+      </p:sp>
+    </p:spTree>
+  </p:cSld>
+  <p:clrMapOvr>
+    <a:masterClrMapping/>
+  </p:clrMapOvr>
+</p:sld>
+</file>
+
+<file path=ppt/slides/slide157.xml><?xml version="1.0" encoding="utf-8"?>
+<p:sld xmlns:a="http://schemas.openxmlformats.org/drawingml/2006/main" xmlns:p="http://schemas.openxmlformats.org/presentationml/2006/main" xmlns:r="http://schemas.openxmlformats.org/officeDocument/2006/relationships">
+  <p:cSld>
+    <p:spTree>
+      <p:nvGrpSpPr>
+        <p:cNvPr id="1" name=""/>
+        <p:cNvGrpSpPr/>
+        <p:nvPr/>
+      </p:nvGrpSpPr>
+      <p:grpSpPr/>
+      <p:sp>
+        <p:nvSpPr>
+          <p:cNvPr id="2" name="TextBox 1"/>
+          <p:cNvSpPr txBox="1"/>
+          <p:nvPr/>
+        </p:nvSpPr>
+        <p:spPr>
+          <a:xfrm>
+            <a:off x="914400" y="914400"/>
+            <a:ext cx="914400" cy="914400"/>
+          </a:xfrm>
+          <a:prstGeom prst="rect">
+            <a:avLst/>
+          </a:prstGeom>
+          <a:noFill/>
+        </p:spPr>
+        <p:txBody>
+          <a:bodyPr wrap="none">
+            <a:spAutoFit/>
+          </a:bodyPr>
+          <a:lstStyle/>
+          <a:p>
+            <a:r>
+              <a:t>Python Code: </a:t>
+            </a:r>
+          </a:p>
+          <a:p>
+            <a:pPr>
+              <a:defRPr sz="1200"/>
+            </a:pPr>
+            <a:r>
+              <a:t>``` # Divisie</a:t>
+            </a:r>
+            <a:br/>
+            <a:r>
+              <a:t> `````` 3/2 ```</a:t>
+            </a:r>
+            <a:br/>
+          </a:p>
+        </p:txBody>
+      </p:sp>
+    </p:spTree>
+  </p:cSld>
+  <p:clrMapOvr>
+    <a:masterClrMapping/>
+  </p:clrMapOvr>
+</p:sld>
+</file>
+
+<file path=ppt/slides/slide158.xml><?xml version="1.0" encoding="utf-8"?>
+<p:sld xmlns:a="http://schemas.openxmlformats.org/drawingml/2006/main" xmlns:p="http://schemas.openxmlformats.org/presentationml/2006/main" xmlns:r="http://schemas.openxmlformats.org/officeDocument/2006/relationships">
+  <p:cSld>
+    <p:spTree>
+      <p:nvGrpSpPr>
+        <p:cNvPr id="1" name=""/>
+        <p:cNvGrpSpPr/>
+        <p:nvPr/>
+      </p:nvGrpSpPr>
+      <p:grpSpPr/>
+      <p:sp>
+        <p:nvSpPr>
+          <p:cNvPr id="2" name="TextBox 1"/>
+          <p:cNvSpPr txBox="1"/>
+          <p:nvPr/>
+        </p:nvSpPr>
+        <p:spPr>
+          <a:xfrm>
+            <a:off x="914400" y="914400"/>
+            <a:ext cx="914400" cy="914400"/>
+          </a:xfrm>
+          <a:prstGeom prst="rect">
+            <a:avLst/>
+          </a:prstGeom>
+          <a:noFill/>
+        </p:spPr>
+        <p:txBody>
+          <a:bodyPr wrap="none">
+            <a:spAutoFit/>
+          </a:bodyPr>
+          <a:lstStyle/>
+          <a:p>
+            <a:r>
+              <a:t>Python Code: </a:t>
+            </a:r>
+          </a:p>
+          <a:p>
+            <a:pPr>
+              <a:defRPr sz="1200"/>
+            </a:pPr>
+            <a:r>
+              <a:t>``` # Verdiepingsverdeling (floor division)</a:t>
+            </a:r>
+            <a:br/>
+            <a:r>
+              <a:t> `````` 7//4 ```</a:t>
+            </a:r>
+            <a:br/>
+          </a:p>
+        </p:txBody>
+      </p:sp>
+    </p:spTree>
+  </p:cSld>
+  <p:clrMapOvr>
+    <a:masterClrMapping/>
+  </p:clrMapOvr>
+</p:sld>
+</file>
+
+<file path=ppt/slides/slide159.xml><?xml version="1.0" encoding="utf-8"?>
+<p:sld xmlns:a="http://schemas.openxmlformats.org/drawingml/2006/main" xmlns:p="http://schemas.openxmlformats.org/presentationml/2006/main" xmlns:r="http://schemas.openxmlformats.org/officeDocument/2006/relationships">
+  <p:cSld>
+    <p:spTree>
+      <p:nvGrpSpPr>
+        <p:cNvPr id="1" name=""/>
+        <p:cNvGrpSpPr/>
+        <p:nvPr/>
+      </p:nvGrpSpPr>
+      <p:grpSpPr/>
+      <p:sp>
+        <p:nvSpPr>
+          <p:cNvPr id="2" name="TextBox 1"/>
+          <p:cNvSpPr txBox="1"/>
+          <p:nvPr/>
+        </p:nvSpPr>
+        <p:spPr>
+          <a:xfrm>
+            <a:off x="914400" y="914400"/>
+            <a:ext cx="914400" cy="914400"/>
+          </a:xfrm>
+          <a:prstGeom prst="rect">
+            <a:avLst/>
+          </a:prstGeom>
+          <a:noFill/>
+        </p:spPr>
+        <p:txBody>
+          <a:bodyPr wrap="none">
+            <a:spAutoFit/>
+          </a:bodyPr>
+          <a:lstStyle/>
+          <a:p>
+            <a:r>
+              <a:t>Info:</a:t>
+            </a:r>
+          </a:p>
+          <a:p>
+            <a:pPr>
+              <a:defRPr sz="1200"/>
+            </a:pPr>
+            <a:r>
+              <a:t>**Wauw! Wat is er zojuist gebeurd? De laatste keer dat ik keek, is 7 gedeeld door 4 gelijk aan 1,75 niet 1!**</a:t>
+            </a:r>
+            <a:br/>
+            <a:br/>
+            <a:r>
+              <a:t>De reden dat we dit resultaat krijgen, is omdat we de divisie "*verdiepings (floor division)*" gebruiken. De //-operator (twee schuine strepen naar voren) kapt het decimaalteken af zonder afronding en retourneert een geheel getal.</a:t>
+            </a:r>
+            <a:br/>
+          </a:p>
+        </p:txBody>
+      </p:sp>
+    </p:spTree>
+  </p:cSld>
+  <p:clrMapOvr>
+    <a:masterClrMapping/>
+  </p:clrMapOvr>
+</p:sld>
+</file>
+
 <file path=ppt/slides/slide16.xml><?xml version="1.0" encoding="utf-8"?>
 <p:sld xmlns:a="http://schemas.openxmlformats.org/drawingml/2006/main" xmlns:p="http://schemas.openxmlformats.org/presentationml/2006/main" xmlns:r="http://schemas.openxmlformats.org/officeDocument/2006/relationships">
   <p:cSld>
@@ -7306,6 +8200,590 @@
 </p:sld>
 </file>
 
+<file path=ppt/slides/slide160.xml><?xml version="1.0" encoding="utf-8"?>
+<p:sld xmlns:a="http://schemas.openxmlformats.org/drawingml/2006/main" xmlns:p="http://schemas.openxmlformats.org/presentationml/2006/main" xmlns:r="http://schemas.openxmlformats.org/officeDocument/2006/relationships">
+  <p:cSld>
+    <p:spTree>
+      <p:nvGrpSpPr>
+        <p:cNvPr id="1" name=""/>
+        <p:cNvGrpSpPr/>
+        <p:nvPr/>
+      </p:nvGrpSpPr>
+      <p:grpSpPr/>
+      <p:sp>
+        <p:nvSpPr>
+          <p:cNvPr id="2" name="TextBox 1"/>
+          <p:cNvSpPr txBox="1"/>
+          <p:nvPr/>
+        </p:nvSpPr>
+        <p:spPr>
+          <a:xfrm>
+            <a:off x="914400" y="914400"/>
+            <a:ext cx="914400" cy="914400"/>
+          </a:xfrm>
+          <a:prstGeom prst="rect">
+            <a:avLst/>
+          </a:prstGeom>
+          <a:noFill/>
+        </p:spPr>
+        <p:txBody>
+          <a:bodyPr wrap="none">
+            <a:spAutoFit/>
+          </a:bodyPr>
+          <a:lstStyle/>
+          <a:p>
+            <a:r>
+              <a:t>Info:</a:t>
+            </a:r>
+          </a:p>
+          <a:p>
+            <a:pPr>
+              <a:defRPr sz="1200"/>
+            </a:pPr>
+            <a:r>
+              <a:t>**Dus wat als we gewoon de rest willen na de deling?**</a:t>
+            </a:r>
+            <a:br/>
+          </a:p>
+        </p:txBody>
+      </p:sp>
+    </p:spTree>
+  </p:cSld>
+  <p:clrMapOvr>
+    <a:masterClrMapping/>
+  </p:clrMapOvr>
+</p:sld>
+</file>
+
+<file path=ppt/slides/slide161.xml><?xml version="1.0" encoding="utf-8"?>
+<p:sld xmlns:a="http://schemas.openxmlformats.org/drawingml/2006/main" xmlns:p="http://schemas.openxmlformats.org/presentationml/2006/main" xmlns:r="http://schemas.openxmlformats.org/officeDocument/2006/relationships">
+  <p:cSld>
+    <p:spTree>
+      <p:nvGrpSpPr>
+        <p:cNvPr id="1" name=""/>
+        <p:cNvGrpSpPr/>
+        <p:nvPr/>
+      </p:nvGrpSpPr>
+      <p:grpSpPr/>
+      <p:sp>
+        <p:nvSpPr>
+          <p:cNvPr id="2" name="TextBox 1"/>
+          <p:cNvSpPr txBox="1"/>
+          <p:nvPr/>
+        </p:nvSpPr>
+        <p:spPr>
+          <a:xfrm>
+            <a:off x="914400" y="914400"/>
+            <a:ext cx="914400" cy="914400"/>
+          </a:xfrm>
+          <a:prstGeom prst="rect">
+            <a:avLst/>
+          </a:prstGeom>
+          <a:noFill/>
+        </p:spPr>
+        <p:txBody>
+          <a:bodyPr wrap="none">
+            <a:spAutoFit/>
+          </a:bodyPr>
+          <a:lstStyle/>
+          <a:p>
+            <a:r>
+              <a:t>Python Code: </a:t>
+            </a:r>
+          </a:p>
+          <a:p>
+            <a:pPr>
+              <a:defRPr sz="1200"/>
+            </a:pPr>
+            <a:r>
+              <a:t>``` # Modulo</a:t>
+            </a:r>
+            <a:br/>
+            <a:r>
+              <a:t> `````` 7%4 ```</a:t>
+            </a:r>
+            <a:br/>
+          </a:p>
+        </p:txBody>
+      </p:sp>
+    </p:spTree>
+  </p:cSld>
+  <p:clrMapOvr>
+    <a:masterClrMapping/>
+  </p:clrMapOvr>
+</p:sld>
+</file>
+
+<file path=ppt/slides/slide162.xml><?xml version="1.0" encoding="utf-8"?>
+<p:sld xmlns:a="http://schemas.openxmlformats.org/drawingml/2006/main" xmlns:p="http://schemas.openxmlformats.org/presentationml/2006/main" xmlns:r="http://schemas.openxmlformats.org/officeDocument/2006/relationships">
+  <p:cSld>
+    <p:spTree>
+      <p:nvGrpSpPr>
+        <p:cNvPr id="1" name=""/>
+        <p:cNvGrpSpPr/>
+        <p:nvPr/>
+      </p:nvGrpSpPr>
+      <p:grpSpPr/>
+      <p:sp>
+        <p:nvSpPr>
+          <p:cNvPr id="2" name="TextBox 1"/>
+          <p:cNvSpPr txBox="1"/>
+          <p:nvPr/>
+        </p:nvSpPr>
+        <p:spPr>
+          <a:xfrm>
+            <a:off x="914400" y="914400"/>
+            <a:ext cx="914400" cy="914400"/>
+          </a:xfrm>
+          <a:prstGeom prst="rect">
+            <a:avLst/>
+          </a:prstGeom>
+          <a:noFill/>
+        </p:spPr>
+        <p:txBody>
+          <a:bodyPr wrap="none">
+            <a:spAutoFit/>
+          </a:bodyPr>
+          <a:lstStyle/>
+          <a:p>
+            <a:r>
+              <a:t>Info:</a:t>
+            </a:r>
+          </a:p>
+          <a:p>
+            <a:pPr>
+              <a:defRPr sz="1200"/>
+            </a:pPr>
+            <a:r>
+              <a:t>4 gaat Ã©Ã©n keer in 7, met een rest van 3. De %-operator retourneert de rest na deling.</a:t>
+            </a:r>
+            <a:br/>
+          </a:p>
+        </p:txBody>
+      </p:sp>
+    </p:spTree>
+  </p:cSld>
+  <p:clrMapOvr>
+    <a:masterClrMapping/>
+  </p:clrMapOvr>
+</p:sld>
+</file>
+
+<file path=ppt/slides/slide163.xml><?xml version="1.0" encoding="utf-8"?>
+<p:sld xmlns:a="http://schemas.openxmlformats.org/drawingml/2006/main" xmlns:p="http://schemas.openxmlformats.org/presentationml/2006/main" xmlns:r="http://schemas.openxmlformats.org/officeDocument/2006/relationships">
+  <p:cSld>
+    <p:spTree>
+      <p:nvGrpSpPr>
+        <p:cNvPr id="1" name=""/>
+        <p:cNvGrpSpPr/>
+        <p:nvPr/>
+      </p:nvGrpSpPr>
+      <p:grpSpPr/>
+      <p:sp>
+        <p:nvSpPr>
+          <p:cNvPr id="2" name="TextBox 1"/>
+          <p:cNvSpPr txBox="1"/>
+          <p:nvPr/>
+        </p:nvSpPr>
+        <p:spPr>
+          <a:xfrm>
+            <a:off x="914400" y="914400"/>
+            <a:ext cx="914400" cy="914400"/>
+          </a:xfrm>
+          <a:prstGeom prst="rect">
+            <a:avLst/>
+          </a:prstGeom>
+          <a:noFill/>
+        </p:spPr>
+        <p:txBody>
+          <a:bodyPr wrap="none">
+            <a:spAutoFit/>
+          </a:bodyPr>
+          <a:lstStyle/>
+          <a:p>
+            <a:r>
+              <a:t>Python Code: </a:t>
+            </a:r>
+          </a:p>
+          <a:p>
+            <a:pPr>
+              <a:defRPr sz="1200"/>
+            </a:pPr>
+            <a:r>
+              <a:t>``` # Complexer Calculations</a:t>
+            </a:r>
+            <a:br/>
+            <a:r>
+              <a:t> `````` (5*4)+(2*10)+(10/10) ```</a:t>
+            </a:r>
+            <a:br/>
+          </a:p>
+        </p:txBody>
+      </p:sp>
+    </p:spTree>
+  </p:cSld>
+  <p:clrMapOvr>
+    <a:masterClrMapping/>
+  </p:clrMapOvr>
+</p:sld>
+</file>
+
+<file path=ppt/slides/slide164.xml><?xml version="1.0" encoding="utf-8"?>
+<p:sld xmlns:a="http://schemas.openxmlformats.org/drawingml/2006/main" xmlns:p="http://schemas.openxmlformats.org/presentationml/2006/main" xmlns:r="http://schemas.openxmlformats.org/officeDocument/2006/relationships">
+  <p:cSld>
+    <p:spTree>
+      <p:nvGrpSpPr>
+        <p:cNvPr id="1" name=""/>
+        <p:cNvGrpSpPr/>
+        <p:nvPr/>
+      </p:nvGrpSpPr>
+      <p:grpSpPr/>
+      <p:sp>
+        <p:nvSpPr>
+          <p:cNvPr id="2" name="TextBox 1"/>
+          <p:cNvSpPr txBox="1"/>
+          <p:nvPr/>
+        </p:nvSpPr>
+        <p:spPr>
+          <a:xfrm>
+            <a:off x="914400" y="914400"/>
+            <a:ext cx="914400" cy="914400"/>
+          </a:xfrm>
+          <a:prstGeom prst="rect">
+            <a:avLst/>
+          </a:prstGeom>
+          <a:noFill/>
+        </p:spPr>
+        <p:txBody>
+          <a:bodyPr wrap="none">
+            <a:spAutoFit/>
+          </a:bodyPr>
+          <a:lstStyle/>
+          <a:p>
+            <a:r>
+              <a:t>Info:</a:t>
+            </a:r>
+          </a:p>
+          <a:p>
+            <a:pPr>
+              <a:defRPr sz="1200"/>
+            </a:pPr>
+            <a:r>
+              <a:t>### Rekenkunde vervolg</a:t>
+            </a:r>
+            <a:br/>
+          </a:p>
+        </p:txBody>
+      </p:sp>
+    </p:spTree>
+  </p:cSld>
+  <p:clrMapOvr>
+    <a:masterClrMapping/>
+  </p:clrMapOvr>
+</p:sld>
+</file>
+
+<file path=ppt/slides/slide165.xml><?xml version="1.0" encoding="utf-8"?>
+<p:sld xmlns:a="http://schemas.openxmlformats.org/drawingml/2006/main" xmlns:p="http://schemas.openxmlformats.org/presentationml/2006/main" xmlns:r="http://schemas.openxmlformats.org/officeDocument/2006/relationships">
+  <p:cSld>
+    <p:spTree>
+      <p:nvGrpSpPr>
+        <p:cNvPr id="1" name=""/>
+        <p:cNvGrpSpPr/>
+        <p:nvPr/>
+      </p:nvGrpSpPr>
+      <p:grpSpPr/>
+      <p:sp>
+        <p:nvSpPr>
+          <p:cNvPr id="2" name="TextBox 1"/>
+          <p:cNvSpPr txBox="1"/>
+          <p:nvPr/>
+        </p:nvSpPr>
+        <p:spPr>
+          <a:xfrm>
+            <a:off x="914400" y="914400"/>
+            <a:ext cx="914400" cy="914400"/>
+          </a:xfrm>
+          <a:prstGeom prst="rect">
+            <a:avLst/>
+          </a:prstGeom>
+          <a:noFill/>
+        </p:spPr>
+        <p:txBody>
+          <a:bodyPr wrap="none">
+            <a:spAutoFit/>
+          </a:bodyPr>
+          <a:lstStyle/>
+          <a:p>
+            <a:r>
+              <a:t>Python Code: </a:t>
+            </a:r>
+          </a:p>
+          <a:p>
+            <a:pPr>
+              <a:defRPr sz="1200"/>
+            </a:pPr>
+            <a:r>
+              <a:t>``` # Machten</a:t>
+            </a:r>
+            <a:br/>
+            <a:r>
+              <a:t> `````` 2**3 ```</a:t>
+            </a:r>
+            <a:br/>
+          </a:p>
+        </p:txBody>
+      </p:sp>
+    </p:spTree>
+  </p:cSld>
+  <p:clrMapOvr>
+    <a:masterClrMapping/>
+  </p:clrMapOvr>
+</p:sld>
+</file>
+
+<file path=ppt/slides/slide166.xml><?xml version="1.0" encoding="utf-8"?>
+<p:sld xmlns:a="http://schemas.openxmlformats.org/drawingml/2006/main" xmlns:p="http://schemas.openxmlformats.org/presentationml/2006/main" xmlns:r="http://schemas.openxmlformats.org/officeDocument/2006/relationships">
+  <p:cSld>
+    <p:spTree>
+      <p:nvGrpSpPr>
+        <p:cNvPr id="1" name=""/>
+        <p:cNvGrpSpPr/>
+        <p:nvPr/>
+      </p:nvGrpSpPr>
+      <p:grpSpPr/>
+      <p:sp>
+        <p:nvSpPr>
+          <p:cNvPr id="2" name="TextBox 1"/>
+          <p:cNvSpPr txBox="1"/>
+          <p:nvPr/>
+        </p:nvSpPr>
+        <p:spPr>
+          <a:xfrm>
+            <a:off x="914400" y="914400"/>
+            <a:ext cx="914400" cy="914400"/>
+          </a:xfrm>
+          <a:prstGeom prst="rect">
+            <a:avLst/>
+          </a:prstGeom>
+          <a:noFill/>
+        </p:spPr>
+        <p:txBody>
+          <a:bodyPr wrap="none">
+            <a:spAutoFit/>
+          </a:bodyPr>
+          <a:lstStyle/>
+          <a:p>
+            <a:r>
+              <a:t>Python Code: </a:t>
+            </a:r>
+          </a:p>
+          <a:p>
+            <a:pPr>
+              <a:defRPr sz="1200"/>
+            </a:pPr>
+            <a:r>
+              <a:t>``` # Wortels</a:t>
+            </a:r>
+            <a:br/>
+            <a:r>
+              <a:t> `````` 4**0.5 ```</a:t>
+            </a:r>
+            <a:br/>
+          </a:p>
+        </p:txBody>
+      </p:sp>
+    </p:spTree>
+  </p:cSld>
+  <p:clrMapOvr>
+    <a:masterClrMapping/>
+  </p:clrMapOvr>
+</p:sld>
+</file>
+
+<file path=ppt/slides/slide167.xml><?xml version="1.0" encoding="utf-8"?>
+<p:sld xmlns:a="http://schemas.openxmlformats.org/drawingml/2006/main" xmlns:p="http://schemas.openxmlformats.org/presentationml/2006/main" xmlns:r="http://schemas.openxmlformats.org/officeDocument/2006/relationships">
+  <p:cSld>
+    <p:spTree>
+      <p:nvGrpSpPr>
+        <p:cNvPr id="1" name=""/>
+        <p:cNvGrpSpPr/>
+        <p:nvPr/>
+      </p:nvGrpSpPr>
+      <p:grpSpPr/>
+      <p:sp>
+        <p:nvSpPr>
+          <p:cNvPr id="2" name="TextBox 1"/>
+          <p:cNvSpPr txBox="1"/>
+          <p:nvPr/>
+        </p:nvSpPr>
+        <p:spPr>
+          <a:xfrm>
+            <a:off x="914400" y="914400"/>
+            <a:ext cx="914400" cy="914400"/>
+          </a:xfrm>
+          <a:prstGeom prst="rect">
+            <a:avLst/>
+          </a:prstGeom>
+          <a:noFill/>
+        </p:spPr>
+        <p:txBody>
+          <a:bodyPr wrap="none">
+            <a:spAutoFit/>
+          </a:bodyPr>
+          <a:lstStyle/>
+          <a:p>
+            <a:r>
+              <a:t>Python Code: </a:t>
+            </a:r>
+          </a:p>
+          <a:p>
+            <a:pPr>
+              <a:defRPr sz="1200"/>
+            </a:pPr>
+            <a:r>
+              <a:t>``` # Volgorde en prioriteit van instructies in Python</a:t>
+            </a:r>
+            <a:br/>
+            <a:r>
+              <a:t> `````` 2 + 10 * 10 + 3 ```</a:t>
+            </a:r>
+            <a:br/>
+          </a:p>
+        </p:txBody>
+      </p:sp>
+    </p:spTree>
+  </p:cSld>
+  <p:clrMapOvr>
+    <a:masterClrMapping/>
+  </p:clrMapOvr>
+</p:sld>
+</file>
+
+<file path=ppt/slides/slide168.xml><?xml version="1.0" encoding="utf-8"?>
+<p:sld xmlns:a="http://schemas.openxmlformats.org/drawingml/2006/main" xmlns:p="http://schemas.openxmlformats.org/presentationml/2006/main" xmlns:r="http://schemas.openxmlformats.org/officeDocument/2006/relationships">
+  <p:cSld>
+    <p:spTree>
+      <p:nvGrpSpPr>
+        <p:cNvPr id="1" name=""/>
+        <p:cNvGrpSpPr/>
+        <p:nvPr/>
+      </p:nvGrpSpPr>
+      <p:grpSpPr/>
+      <p:sp>
+        <p:nvSpPr>
+          <p:cNvPr id="2" name="TextBox 1"/>
+          <p:cNvSpPr txBox="1"/>
+          <p:nvPr/>
+        </p:nvSpPr>
+        <p:spPr>
+          <a:xfrm>
+            <a:off x="914400" y="914400"/>
+            <a:ext cx="914400" cy="914400"/>
+          </a:xfrm>
+          <a:prstGeom prst="rect">
+            <a:avLst/>
+          </a:prstGeom>
+          <a:noFill/>
+        </p:spPr>
+        <p:txBody>
+          <a:bodyPr wrap="none">
+            <a:spAutoFit/>
+          </a:bodyPr>
+          <a:lstStyle/>
+          <a:p>
+            <a:r>
+              <a:t>Python Code: </a:t>
+            </a:r>
+          </a:p>
+          <a:p>
+            <a:pPr>
+              <a:defRPr sz="1200"/>
+            </a:pPr>
+            <a:r>
+              <a:t>``` # Kan haakjes gebruiken om het volgorde te specificeren</a:t>
+            </a:r>
+            <a:br/>
+            <a:r>
+              <a:t> `````` (2+10) * (10+3) ```</a:t>
+            </a:r>
+            <a:br/>
+          </a:p>
+        </p:txBody>
+      </p:sp>
+    </p:spTree>
+  </p:cSld>
+  <p:clrMapOvr>
+    <a:masterClrMapping/>
+  </p:clrMapOvr>
+</p:sld>
+</file>
+
+<file path=ppt/slides/slide169.xml><?xml version="1.0" encoding="utf-8"?>
+<p:sld xmlns:a="http://schemas.openxmlformats.org/drawingml/2006/main" xmlns:p="http://schemas.openxmlformats.org/presentationml/2006/main" xmlns:r="http://schemas.openxmlformats.org/officeDocument/2006/relationships">
+  <p:cSld>
+    <p:spTree>
+      <p:nvGrpSpPr>
+        <p:cNvPr id="1" name=""/>
+        <p:cNvGrpSpPr/>
+        <p:nvPr/>
+      </p:nvGrpSpPr>
+      <p:grpSpPr/>
+      <p:sp>
+        <p:nvSpPr>
+          <p:cNvPr id="2" name="TextBox 1"/>
+          <p:cNvSpPr txBox="1"/>
+          <p:nvPr/>
+        </p:nvSpPr>
+        <p:spPr>
+          <a:xfrm>
+            <a:off x="914400" y="914400"/>
+            <a:ext cx="914400" cy="914400"/>
+          </a:xfrm>
+          <a:prstGeom prst="rect">
+            <a:avLst/>
+          </a:prstGeom>
+          <a:noFill/>
+        </p:spPr>
+        <p:txBody>
+          <a:bodyPr wrap="none">
+            <a:spAutoFit/>
+          </a:bodyPr>
+          <a:lstStyle/>
+          <a:p>
+            <a:r>
+              <a:t>Info:</a:t>
+            </a:r>
+          </a:p>
+          <a:p>
+            <a:pPr>
+              <a:defRPr sz="1200"/>
+            </a:pPr>
+            <a:r>
+              <a:t>## Variabele Toewijzingen (Assignments)</a:t>
+            </a:r>
+            <a:br/>
+            <a:br/>
+            <a:r>
+              <a:t>Nu we hebben gezien hoe we getallen in Python als rekenmachine kunnen gebruiken, laten we eens kijken hoe we namen kunnen toewijzen en variabelen kunnen maken.</a:t>
+            </a:r>
+            <a:br/>
+            <a:br/>
+            <a:r>
+              <a:t>We gebruiken een enkel gelijkteken om labels aan variabelen toe te wijzen. Laten we een paar voorbeelden bekijken van hoe we dit kunnen doen.</a:t>
+            </a:r>
+            <a:br/>
+          </a:p>
+        </p:txBody>
+      </p:sp>
+    </p:spTree>
+  </p:cSld>
+  <p:clrMapOvr>
+    <a:masterClrMapping/>
+  </p:clrMapOvr>
+</p:sld>
+</file>
+
 <file path=ppt/slides/slide17.xml><?xml version="1.0" encoding="utf-8"?>
 <p:sld xmlns:a="http://schemas.openxmlformats.org/drawingml/2006/main" xmlns:p="http://schemas.openxmlformats.org/presentationml/2006/main" xmlns:r="http://schemas.openxmlformats.org/officeDocument/2006/relationships">
   <p:cSld>
@@ -7367,6 +8845,588 @@
 </p:sld>
 </file>
 
+<file path=ppt/slides/slide170.xml><?xml version="1.0" encoding="utf-8"?>
+<p:sld xmlns:a="http://schemas.openxmlformats.org/drawingml/2006/main" xmlns:p="http://schemas.openxmlformats.org/presentationml/2006/main" xmlns:r="http://schemas.openxmlformats.org/officeDocument/2006/relationships">
+  <p:cSld>
+    <p:spTree>
+      <p:nvGrpSpPr>
+        <p:cNvPr id="1" name=""/>
+        <p:cNvGrpSpPr/>
+        <p:nvPr/>
+      </p:nvGrpSpPr>
+      <p:grpSpPr/>
+      <p:sp>
+        <p:nvSpPr>
+          <p:cNvPr id="2" name="TextBox 1"/>
+          <p:cNvSpPr txBox="1"/>
+          <p:nvPr/>
+        </p:nvSpPr>
+        <p:spPr>
+          <a:xfrm>
+            <a:off x="914400" y="914400"/>
+            <a:ext cx="914400" cy="914400"/>
+          </a:xfrm>
+          <a:prstGeom prst="rect">
+            <a:avLst/>
+          </a:prstGeom>
+          <a:noFill/>
+        </p:spPr>
+        <p:txBody>
+          <a:bodyPr wrap="none">
+            <a:spAutoFit/>
+          </a:bodyPr>
+          <a:lstStyle/>
+          <a:p>
+            <a:r>
+              <a:t>Python Code: </a:t>
+            </a:r>
+          </a:p>
+          <a:p>
+            <a:pPr>
+              <a:defRPr sz="1200"/>
+            </a:pPr>
+            <a:r>
+              <a:t>``` # Laten we een object maken met de naam "a" en het nummer 5 toewijzen</a:t>
+            </a:r>
+            <a:br/>
+            <a:r>
+              <a:t> `````` a = 5 ```</a:t>
+            </a:r>
+            <a:br/>
+          </a:p>
+        </p:txBody>
+      </p:sp>
+    </p:spTree>
+  </p:cSld>
+  <p:clrMapOvr>
+    <a:masterClrMapping/>
+  </p:clrMapOvr>
+</p:sld>
+</file>
+
+<file path=ppt/slides/slide171.xml><?xml version="1.0" encoding="utf-8"?>
+<p:sld xmlns:a="http://schemas.openxmlformats.org/drawingml/2006/main" xmlns:p="http://schemas.openxmlformats.org/presentationml/2006/main" xmlns:r="http://schemas.openxmlformats.org/officeDocument/2006/relationships">
+  <p:cSld>
+    <p:spTree>
+      <p:nvGrpSpPr>
+        <p:cNvPr id="1" name=""/>
+        <p:cNvGrpSpPr/>
+        <p:nvPr/>
+      </p:nvGrpSpPr>
+      <p:grpSpPr/>
+      <p:sp>
+        <p:nvSpPr>
+          <p:cNvPr id="2" name="TextBox 1"/>
+          <p:cNvSpPr txBox="1"/>
+          <p:nvPr/>
+        </p:nvSpPr>
+        <p:spPr>
+          <a:xfrm>
+            <a:off x="914400" y="914400"/>
+            <a:ext cx="914400" cy="914400"/>
+          </a:xfrm>
+          <a:prstGeom prst="rect">
+            <a:avLst/>
+          </a:prstGeom>
+          <a:noFill/>
+        </p:spPr>
+        <p:txBody>
+          <a:bodyPr wrap="none">
+            <a:spAutoFit/>
+          </a:bodyPr>
+          <a:lstStyle/>
+          <a:p>
+            <a:r>
+              <a:t>Info:</a:t>
+            </a:r>
+          </a:p>
+          <a:p>
+            <a:pPr>
+              <a:defRPr sz="1200"/>
+            </a:pPr>
+            <a:r>
+              <a:t>Als ik nu *a* in mijn Python-script aanroep, zal Python het behandelen als het getal 5.</a:t>
+            </a:r>
+            <a:br/>
+          </a:p>
+        </p:txBody>
+      </p:sp>
+    </p:spTree>
+  </p:cSld>
+  <p:clrMapOvr>
+    <a:masterClrMapping/>
+  </p:clrMapOvr>
+</p:sld>
+</file>
+
+<file path=ppt/slides/slide172.xml><?xml version="1.0" encoding="utf-8"?>
+<p:sld xmlns:a="http://schemas.openxmlformats.org/drawingml/2006/main" xmlns:p="http://schemas.openxmlformats.org/presentationml/2006/main" xmlns:r="http://schemas.openxmlformats.org/officeDocument/2006/relationships">
+  <p:cSld>
+    <p:spTree>
+      <p:nvGrpSpPr>
+        <p:cNvPr id="1" name=""/>
+        <p:cNvGrpSpPr/>
+        <p:nvPr/>
+      </p:nvGrpSpPr>
+      <p:grpSpPr/>
+      <p:sp>
+        <p:nvSpPr>
+          <p:cNvPr id="2" name="TextBox 1"/>
+          <p:cNvSpPr txBox="1"/>
+          <p:nvPr/>
+        </p:nvSpPr>
+        <p:spPr>
+          <a:xfrm>
+            <a:off x="914400" y="914400"/>
+            <a:ext cx="914400" cy="914400"/>
+          </a:xfrm>
+          <a:prstGeom prst="rect">
+            <a:avLst/>
+          </a:prstGeom>
+          <a:noFill/>
+        </p:spPr>
+        <p:txBody>
+          <a:bodyPr wrap="none">
+            <a:spAutoFit/>
+          </a:bodyPr>
+          <a:lstStyle/>
+          <a:p>
+            <a:r>
+              <a:t>Python Code: </a:t>
+            </a:r>
+          </a:p>
+          <a:p>
+            <a:pPr>
+              <a:defRPr sz="1200"/>
+            </a:pPr>
+            <a:r>
+              <a:t>``` # Het toevoegen van de objecten</a:t>
+            </a:r>
+            <a:br/>
+            <a:r>
+              <a:t> `````` a+a ```</a:t>
+            </a:r>
+            <a:br/>
+          </a:p>
+        </p:txBody>
+      </p:sp>
+    </p:spTree>
+  </p:cSld>
+  <p:clrMapOvr>
+    <a:masterClrMapping/>
+  </p:clrMapOvr>
+</p:sld>
+</file>
+
+<file path=ppt/slides/slide173.xml><?xml version="1.0" encoding="utf-8"?>
+<p:sld xmlns:a="http://schemas.openxmlformats.org/drawingml/2006/main" xmlns:p="http://schemas.openxmlformats.org/presentationml/2006/main" xmlns:r="http://schemas.openxmlformats.org/officeDocument/2006/relationships">
+  <p:cSld>
+    <p:spTree>
+      <p:nvGrpSpPr>
+        <p:cNvPr id="1" name=""/>
+        <p:cNvGrpSpPr/>
+        <p:nvPr/>
+      </p:nvGrpSpPr>
+      <p:grpSpPr/>
+      <p:sp>
+        <p:nvSpPr>
+          <p:cNvPr id="2" name="TextBox 1"/>
+          <p:cNvSpPr txBox="1"/>
+          <p:nvPr/>
+        </p:nvSpPr>
+        <p:spPr>
+          <a:xfrm>
+            <a:off x="914400" y="914400"/>
+            <a:ext cx="914400" cy="914400"/>
+          </a:xfrm>
+          <a:prstGeom prst="rect">
+            <a:avLst/>
+          </a:prstGeom>
+          <a:noFill/>
+        </p:spPr>
+        <p:txBody>
+          <a:bodyPr wrap="none">
+            <a:spAutoFit/>
+          </a:bodyPr>
+          <a:lstStyle/>
+          <a:p>
+            <a:r>
+              <a:t>Info:</a:t>
+            </a:r>
+          </a:p>
+          <a:p>
+            <a:pPr>
+              <a:defRPr sz="1200"/>
+            </a:pPr>
+            <a:r>
+              <a:t>Wat gebeurt er bij herplaatsing? Laat Python het ons overschrijven?</a:t>
+            </a:r>
+            <a:br/>
+          </a:p>
+        </p:txBody>
+      </p:sp>
+    </p:spTree>
+  </p:cSld>
+  <p:clrMapOvr>
+    <a:masterClrMapping/>
+  </p:clrMapOvr>
+</p:sld>
+</file>
+
+<file path=ppt/slides/slide174.xml><?xml version="1.0" encoding="utf-8"?>
+<p:sld xmlns:a="http://schemas.openxmlformats.org/drawingml/2006/main" xmlns:p="http://schemas.openxmlformats.org/presentationml/2006/main" xmlns:r="http://schemas.openxmlformats.org/officeDocument/2006/relationships">
+  <p:cSld>
+    <p:spTree>
+      <p:nvGrpSpPr>
+        <p:cNvPr id="1" name=""/>
+        <p:cNvGrpSpPr/>
+        <p:nvPr/>
+      </p:nvGrpSpPr>
+      <p:grpSpPr/>
+      <p:sp>
+        <p:nvSpPr>
+          <p:cNvPr id="2" name="TextBox 1"/>
+          <p:cNvSpPr txBox="1"/>
+          <p:nvPr/>
+        </p:nvSpPr>
+        <p:spPr>
+          <a:xfrm>
+            <a:off x="914400" y="914400"/>
+            <a:ext cx="914400" cy="914400"/>
+          </a:xfrm>
+          <a:prstGeom prst="rect">
+            <a:avLst/>
+          </a:prstGeom>
+          <a:noFill/>
+        </p:spPr>
+        <p:txBody>
+          <a:bodyPr wrap="none">
+            <a:spAutoFit/>
+          </a:bodyPr>
+          <a:lstStyle/>
+          <a:p>
+            <a:r>
+              <a:t>Python Code: </a:t>
+            </a:r>
+          </a:p>
+          <a:p>
+            <a:pPr>
+              <a:defRPr sz="1200"/>
+            </a:pPr>
+            <a:r>
+              <a:t>``` # Hertoewijzing (Reassignment)</a:t>
+            </a:r>
+            <a:br/>
+            <a:r>
+              <a:t> `````` a = 10 ```</a:t>
+            </a:r>
+            <a:br/>
+          </a:p>
+        </p:txBody>
+      </p:sp>
+    </p:spTree>
+  </p:cSld>
+  <p:clrMapOvr>
+    <a:masterClrMapping/>
+  </p:clrMapOvr>
+</p:sld>
+</file>
+
+<file path=ppt/slides/slide175.xml><?xml version="1.0" encoding="utf-8"?>
+<p:sld xmlns:a="http://schemas.openxmlformats.org/drawingml/2006/main" xmlns:p="http://schemas.openxmlformats.org/presentationml/2006/main" xmlns:r="http://schemas.openxmlformats.org/officeDocument/2006/relationships">
+  <p:cSld>
+    <p:spTree>
+      <p:nvGrpSpPr>
+        <p:cNvPr id="1" name=""/>
+        <p:cNvGrpSpPr/>
+        <p:nvPr/>
+      </p:nvGrpSpPr>
+      <p:grpSpPr/>
+      <p:sp>
+        <p:nvSpPr>
+          <p:cNvPr id="2" name="TextBox 1"/>
+          <p:cNvSpPr txBox="1"/>
+          <p:nvPr/>
+        </p:nvSpPr>
+        <p:spPr>
+          <a:xfrm>
+            <a:off x="914400" y="914400"/>
+            <a:ext cx="914400" cy="914400"/>
+          </a:xfrm>
+          <a:prstGeom prst="rect">
+            <a:avLst/>
+          </a:prstGeom>
+          <a:noFill/>
+        </p:spPr>
+        <p:txBody>
+          <a:bodyPr wrap="none">
+            <a:spAutoFit/>
+          </a:bodyPr>
+          <a:lstStyle/>
+          <a:p>
+            <a:r>
+              <a:t>Python Code: </a:t>
+            </a:r>
+          </a:p>
+          <a:p>
+            <a:pPr>
+              <a:defRPr sz="1200"/>
+            </a:pPr>
+            <a:r>
+              <a:t>``` # Controleren</a:t>
+            </a:r>
+            <a:br/>
+            <a:r>
+              <a:t> `````` a ```</a:t>
+            </a:r>
+            <a:br/>
+          </a:p>
+        </p:txBody>
+      </p:sp>
+    </p:spTree>
+  </p:cSld>
+  <p:clrMapOvr>
+    <a:masterClrMapping/>
+  </p:clrMapOvr>
+</p:sld>
+</file>
+
+<file path=ppt/slides/slide176.xml><?xml version="1.0" encoding="utf-8"?>
+<p:sld xmlns:a="http://schemas.openxmlformats.org/drawingml/2006/main" xmlns:p="http://schemas.openxmlformats.org/presentationml/2006/main" xmlns:r="http://schemas.openxmlformats.org/officeDocument/2006/relationships">
+  <p:cSld>
+    <p:spTree>
+      <p:nvGrpSpPr>
+        <p:cNvPr id="1" name=""/>
+        <p:cNvGrpSpPr/>
+        <p:nvPr/>
+      </p:nvGrpSpPr>
+      <p:grpSpPr/>
+      <p:sp>
+        <p:nvSpPr>
+          <p:cNvPr id="2" name="TextBox 1"/>
+          <p:cNvSpPr txBox="1"/>
+          <p:nvPr/>
+        </p:nvSpPr>
+        <p:spPr>
+          <a:xfrm>
+            <a:off x="914400" y="914400"/>
+            <a:ext cx="914400" cy="914400"/>
+          </a:xfrm>
+          <a:prstGeom prst="rect">
+            <a:avLst/>
+          </a:prstGeom>
+          <a:noFill/>
+        </p:spPr>
+        <p:txBody>
+          <a:bodyPr wrap="none">
+            <a:spAutoFit/>
+          </a:bodyPr>
+          <a:lstStyle/>
+          <a:p>
+            <a:r>
+              <a:t>Info:</a:t>
+            </a:r>
+          </a:p>
+          <a:p>
+            <a:pPr>
+              <a:defRPr sz="1200"/>
+            </a:pPr>
+            <a:r>
+              <a:t>Ja! Met Python kunt u over toegewezen variabelenamen schrijven. We kunnen de variabelen ook zelf gebruiken bij het opnieuw toewijzen. </a:t>
+            </a:r>
+            <a:br/>
+            <a:r>
+              <a:t>Hier is een voorbeeld van wat ik bedoel:</a:t>
+            </a:r>
+            <a:br/>
+          </a:p>
+        </p:txBody>
+      </p:sp>
+    </p:spTree>
+  </p:cSld>
+  <p:clrMapOvr>
+    <a:masterClrMapping/>
+  </p:clrMapOvr>
+</p:sld>
+</file>
+
+<file path=ppt/slides/slide177.xml><?xml version="1.0" encoding="utf-8"?>
+<p:sld xmlns:a="http://schemas.openxmlformats.org/drawingml/2006/main" xmlns:p="http://schemas.openxmlformats.org/presentationml/2006/main" xmlns:r="http://schemas.openxmlformats.org/officeDocument/2006/relationships">
+  <p:cSld>
+    <p:spTree>
+      <p:nvGrpSpPr>
+        <p:cNvPr id="1" name=""/>
+        <p:cNvGrpSpPr/>
+        <p:nvPr/>
+      </p:nvGrpSpPr>
+      <p:grpSpPr/>
+      <p:sp>
+        <p:nvSpPr>
+          <p:cNvPr id="2" name="TextBox 1"/>
+          <p:cNvSpPr txBox="1"/>
+          <p:nvPr/>
+        </p:nvSpPr>
+        <p:spPr>
+          <a:xfrm>
+            <a:off x="914400" y="914400"/>
+            <a:ext cx="914400" cy="914400"/>
+          </a:xfrm>
+          <a:prstGeom prst="rect">
+            <a:avLst/>
+          </a:prstGeom>
+          <a:noFill/>
+        </p:spPr>
+        <p:txBody>
+          <a:bodyPr wrap="none">
+            <a:spAutoFit/>
+          </a:bodyPr>
+          <a:lstStyle/>
+          <a:p>
+            <a:r>
+              <a:t>Python Code: </a:t>
+            </a:r>
+          </a:p>
+          <a:p>
+            <a:pPr>
+              <a:defRPr sz="1200"/>
+            </a:pPr>
+            <a:r>
+              <a:t>``` # Controleren</a:t>
+            </a:r>
+            <a:br/>
+            <a:r>
+              <a:t> `````` a ```</a:t>
+            </a:r>
+            <a:br/>
+          </a:p>
+        </p:txBody>
+      </p:sp>
+    </p:spTree>
+  </p:cSld>
+  <p:clrMapOvr>
+    <a:masterClrMapping/>
+  </p:clrMapOvr>
+</p:sld>
+</file>
+
+<file path=ppt/slides/slide178.xml><?xml version="1.0" encoding="utf-8"?>
+<p:sld xmlns:a="http://schemas.openxmlformats.org/drawingml/2006/main" xmlns:p="http://schemas.openxmlformats.org/presentationml/2006/main" xmlns:r="http://schemas.openxmlformats.org/officeDocument/2006/relationships">
+  <p:cSld>
+    <p:spTree>
+      <p:nvGrpSpPr>
+        <p:cNvPr id="1" name=""/>
+        <p:cNvGrpSpPr/>
+        <p:nvPr/>
+      </p:nvGrpSpPr>
+      <p:grpSpPr/>
+      <p:sp>
+        <p:nvSpPr>
+          <p:cNvPr id="2" name="TextBox 1"/>
+          <p:cNvSpPr txBox="1"/>
+          <p:nvPr/>
+        </p:nvSpPr>
+        <p:spPr>
+          <a:xfrm>
+            <a:off x="914400" y="914400"/>
+            <a:ext cx="914400" cy="914400"/>
+          </a:xfrm>
+          <a:prstGeom prst="rect">
+            <a:avLst/>
+          </a:prstGeom>
+          <a:noFill/>
+        </p:spPr>
+        <p:txBody>
+          <a:bodyPr wrap="none">
+            <a:spAutoFit/>
+          </a:bodyPr>
+          <a:lstStyle/>
+          <a:p>
+            <a:r>
+              <a:t>Python Code: </a:t>
+            </a:r>
+          </a:p>
+          <a:p>
+            <a:pPr>
+              <a:defRPr sz="1200"/>
+            </a:pPr>
+            <a:r>
+              <a:t>``` # Gebruik a om a opnieuw te definiÃ«ren</a:t>
+            </a:r>
+            <a:br/>
+            <a:r>
+              <a:t> `````` a = a + a ```</a:t>
+            </a:r>
+            <a:br/>
+          </a:p>
+        </p:txBody>
+      </p:sp>
+    </p:spTree>
+  </p:cSld>
+  <p:clrMapOvr>
+    <a:masterClrMapping/>
+  </p:clrMapOvr>
+</p:sld>
+</file>
+
+<file path=ppt/slides/slide179.xml><?xml version="1.0" encoding="utf-8"?>
+<p:sld xmlns:a="http://schemas.openxmlformats.org/drawingml/2006/main" xmlns:p="http://schemas.openxmlformats.org/presentationml/2006/main" xmlns:r="http://schemas.openxmlformats.org/officeDocument/2006/relationships">
+  <p:cSld>
+    <p:spTree>
+      <p:nvGrpSpPr>
+        <p:cNvPr id="1" name=""/>
+        <p:cNvGrpSpPr/>
+        <p:nvPr/>
+      </p:nvGrpSpPr>
+      <p:grpSpPr/>
+      <p:sp>
+        <p:nvSpPr>
+          <p:cNvPr id="2" name="TextBox 1"/>
+          <p:cNvSpPr txBox="1"/>
+          <p:nvPr/>
+        </p:nvSpPr>
+        <p:spPr>
+          <a:xfrm>
+            <a:off x="914400" y="914400"/>
+            <a:ext cx="914400" cy="914400"/>
+          </a:xfrm>
+          <a:prstGeom prst="rect">
+            <a:avLst/>
+          </a:prstGeom>
+          <a:noFill/>
+        </p:spPr>
+        <p:txBody>
+          <a:bodyPr wrap="none">
+            <a:spAutoFit/>
+          </a:bodyPr>
+          <a:lstStyle/>
+          <a:p>
+            <a:r>
+              <a:t>Python Code: </a:t>
+            </a:r>
+          </a:p>
+          <a:p>
+            <a:pPr>
+              <a:defRPr sz="1200"/>
+            </a:pPr>
+            <a:r>
+              <a:t>``` # Controleren </a:t>
+            </a:r>
+            <a:br/>
+            <a:r>
+              <a:t> `````` a ```</a:t>
+            </a:r>
+            <a:br/>
+          </a:p>
+        </p:txBody>
+      </p:sp>
+    </p:spTree>
+  </p:cSld>
+  <p:clrMapOvr>
+    <a:masterClrMapping/>
+  </p:clrMapOvr>
+</p:sld>
+</file>
+
 <file path=ppt/slides/slide18.xml><?xml version="1.0" encoding="utf-8"?>
 <p:sld xmlns:a="http://schemas.openxmlformats.org/drawingml/2006/main" xmlns:p="http://schemas.openxmlformats.org/presentationml/2006/main" xmlns:r="http://schemas.openxmlformats.org/officeDocument/2006/relationships">
   <p:cSld>
@@ -7423,6 +9483,282 @@
             </a:r>
           </a:p>
           <a:p/>
+        </p:txBody>
+      </p:sp>
+    </p:spTree>
+  </p:cSld>
+  <p:clrMapOvr>
+    <a:masterClrMapping/>
+  </p:clrMapOvr>
+</p:sld>
+</file>
+
+<file path=ppt/slides/slide180.xml><?xml version="1.0" encoding="utf-8"?>
+<p:sld xmlns:a="http://schemas.openxmlformats.org/drawingml/2006/main" xmlns:p="http://schemas.openxmlformats.org/presentationml/2006/main" xmlns:r="http://schemas.openxmlformats.org/officeDocument/2006/relationships">
+  <p:cSld>
+    <p:spTree>
+      <p:nvGrpSpPr>
+        <p:cNvPr id="1" name=""/>
+        <p:cNvGrpSpPr/>
+        <p:nvPr/>
+      </p:nvGrpSpPr>
+      <p:grpSpPr/>
+      <p:sp>
+        <p:nvSpPr>
+          <p:cNvPr id="2" name="TextBox 1"/>
+          <p:cNvSpPr txBox="1"/>
+          <p:nvPr/>
+        </p:nvSpPr>
+        <p:spPr>
+          <a:xfrm>
+            <a:off x="914400" y="914400"/>
+            <a:ext cx="914400" cy="914400"/>
+          </a:xfrm>
+          <a:prstGeom prst="rect">
+            <a:avLst/>
+          </a:prstGeom>
+          <a:noFill/>
+        </p:spPr>
+        <p:txBody>
+          <a:bodyPr wrap="none">
+            <a:spAutoFit/>
+          </a:bodyPr>
+          <a:lstStyle/>
+          <a:p>
+            <a:r>
+              <a:t>Info:</a:t>
+            </a:r>
+          </a:p>
+          <a:p>
+            <a:pPr>
+              <a:defRPr sz="1200"/>
+            </a:pPr>
+            <a:r>
+              <a:t>De namen die u gebruikt bij het maken van deze labels, moeten aan een paar regels voldoen:</a:t>
+            </a:r>
+            <a:br/>
+            <a:br/>
+            <a:r>
+              <a:t>     1. Namen mogen niet beginnen met een cijfer.</a:t>
+            </a:r>
+            <a:br/>
+            <a:r>
+              <a:t>     2. Er mogen geen spaties in de naam staan, gebruik in plaats daarvan _.</a:t>
+            </a:r>
+            <a:br/>
+            <a:r>
+              <a:t>     3. Kan geen van deze symbolen gebruiken:'",&lt;&gt;/?|\()!@#$%^&amp;*~-+</a:t>
+            </a:r>
+            <a:br/>
+            <a:r>
+              <a:t>     4. Het wordt als best practice (PEP8) beschouwd dat namen in kleine letters zijn.</a:t>
+            </a:r>
+            <a:br/>
+            <a:r>
+              <a:t>     5. Vermijd het gebruik van de tekens 'l' (kleine letter l), 'O' (hoofdletter o), of 'I' (Ä± in hoofdletters) als variabelenamen van Ã©Ã©n teken.</a:t>
+            </a:r>
+            <a:br/>
+            <a:r>
+              <a:t>     6. Vermijd het gebruik van woorden die een speciale betekenis hebben in Python, zoals "list" en "str"</a:t>
+            </a:r>
+            <a:br/>
+            <a:br/>
+            <a:br/>
+            <a:r>
+              <a:t>Het gebruik van variabelenamen kan een zeer handige manier zijn om verschillende variabelen in Python bij te houden. Bijvoorbeeld:</a:t>
+            </a:r>
+            <a:br/>
+          </a:p>
+        </p:txBody>
+      </p:sp>
+    </p:spTree>
+  </p:cSld>
+  <p:clrMapOvr>
+    <a:masterClrMapping/>
+  </p:clrMapOvr>
+</p:sld>
+</file>
+
+<file path=ppt/slides/slide181.xml><?xml version="1.0" encoding="utf-8"?>
+<p:sld xmlns:a="http://schemas.openxmlformats.org/drawingml/2006/main" xmlns:p="http://schemas.openxmlformats.org/presentationml/2006/main" xmlns:r="http://schemas.openxmlformats.org/officeDocument/2006/relationships">
+  <p:cSld>
+    <p:spTree>
+      <p:nvGrpSpPr>
+        <p:cNvPr id="1" name=""/>
+        <p:cNvGrpSpPr/>
+        <p:nvPr/>
+      </p:nvGrpSpPr>
+      <p:grpSpPr/>
+      <p:sp>
+        <p:nvSpPr>
+          <p:cNvPr id="2" name="TextBox 1"/>
+          <p:cNvSpPr txBox="1"/>
+          <p:nvPr/>
+        </p:nvSpPr>
+        <p:spPr>
+          <a:xfrm>
+            <a:off x="914400" y="914400"/>
+            <a:ext cx="914400" cy="914400"/>
+          </a:xfrm>
+          <a:prstGeom prst="rect">
+            <a:avLst/>
+          </a:prstGeom>
+          <a:noFill/>
+        </p:spPr>
+        <p:txBody>
+          <a:bodyPr wrap="none">
+            <a:spAutoFit/>
+          </a:bodyPr>
+          <a:lstStyle/>
+          <a:p>
+            <a:r>
+              <a:t>Python Code: </a:t>
+            </a:r>
+          </a:p>
+          <a:p>
+            <a:pPr>
+              <a:defRPr sz="1200"/>
+            </a:pPr>
+            <a:r>
+              <a:t>``` # Gebruik objectnamen om beter bij te houden wat er in uw code gebeurt!</a:t>
+            </a:r>
+            <a:br/>
+            <a:r>
+              <a:t> `````` my_income = 100</a:t>
+            </a:r>
+            <a:br/>
+            <a:r>
+              <a:t> `````` </a:t>
+            </a:r>
+            <a:br/>
+            <a:r>
+              <a:t> `````` tax_rate = 0.1</a:t>
+            </a:r>
+            <a:br/>
+            <a:r>
+              <a:t> `````` </a:t>
+            </a:r>
+            <a:br/>
+            <a:r>
+              <a:t> `````` my_taxes = my_income*tax_rate ```</a:t>
+            </a:r>
+            <a:br/>
+          </a:p>
+        </p:txBody>
+      </p:sp>
+    </p:spTree>
+  </p:cSld>
+  <p:clrMapOvr>
+    <a:masterClrMapping/>
+  </p:clrMapOvr>
+</p:sld>
+</file>
+
+<file path=ppt/slides/slide182.xml><?xml version="1.0" encoding="utf-8"?>
+<p:sld xmlns:a="http://schemas.openxmlformats.org/drawingml/2006/main" xmlns:p="http://schemas.openxmlformats.org/presentationml/2006/main" xmlns:r="http://schemas.openxmlformats.org/officeDocument/2006/relationships">
+  <p:cSld>
+    <p:spTree>
+      <p:nvGrpSpPr>
+        <p:cNvPr id="1" name=""/>
+        <p:cNvGrpSpPr/>
+        <p:nvPr/>
+      </p:nvGrpSpPr>
+      <p:grpSpPr/>
+      <p:sp>
+        <p:nvSpPr>
+          <p:cNvPr id="2" name="TextBox 1"/>
+          <p:cNvSpPr txBox="1"/>
+          <p:nvPr/>
+        </p:nvSpPr>
+        <p:spPr>
+          <a:xfrm>
+            <a:off x="914400" y="914400"/>
+            <a:ext cx="914400" cy="914400"/>
+          </a:xfrm>
+          <a:prstGeom prst="rect">
+            <a:avLst/>
+          </a:prstGeom>
+          <a:noFill/>
+        </p:spPr>
+        <p:txBody>
+          <a:bodyPr wrap="none">
+            <a:spAutoFit/>
+          </a:bodyPr>
+          <a:lstStyle/>
+          <a:p>
+            <a:r>
+              <a:t>Python Code: </a:t>
+            </a:r>
+          </a:p>
+          <a:p>
+            <a:pPr>
+              <a:defRPr sz="1200"/>
+            </a:pPr>
+            <a:r>
+              <a:t>``` # Toon mijn belastingen!</a:t>
+            </a:r>
+            <a:br/>
+            <a:r>
+              <a:t> `````` my_taxes ```</a:t>
+            </a:r>
+            <a:br/>
+          </a:p>
+        </p:txBody>
+      </p:sp>
+    </p:spTree>
+  </p:cSld>
+  <p:clrMapOvr>
+    <a:masterClrMapping/>
+  </p:clrMapOvr>
+</p:sld>
+</file>
+
+<file path=ppt/slides/slide183.xml><?xml version="1.0" encoding="utf-8"?>
+<p:sld xmlns:a="http://schemas.openxmlformats.org/drawingml/2006/main" xmlns:p="http://schemas.openxmlformats.org/presentationml/2006/main" xmlns:r="http://schemas.openxmlformats.org/officeDocument/2006/relationships">
+  <p:cSld>
+    <p:spTree>
+      <p:nvGrpSpPr>
+        <p:cNvPr id="1" name=""/>
+        <p:cNvGrpSpPr/>
+        <p:nvPr/>
+      </p:nvGrpSpPr>
+      <p:grpSpPr/>
+      <p:sp>
+        <p:nvSpPr>
+          <p:cNvPr id="2" name="TextBox 1"/>
+          <p:cNvSpPr txBox="1"/>
+          <p:nvPr/>
+        </p:nvSpPr>
+        <p:spPr>
+          <a:xfrm>
+            <a:off x="914400" y="914400"/>
+            <a:ext cx="914400" cy="914400"/>
+          </a:xfrm>
+          <a:prstGeom prst="rect">
+            <a:avLst/>
+          </a:prstGeom>
+          <a:noFill/>
+        </p:spPr>
+        <p:txBody>
+          <a:bodyPr wrap="none">
+            <a:spAutoFit/>
+          </a:bodyPr>
+          <a:lstStyle/>
+          <a:p>
+            <a:r>
+              <a:t>Info:</a:t>
+            </a:r>
+          </a:p>
+          <a:p>
+            <a:pPr>
+              <a:defRPr sz="1200"/>
+            </a:pPr>
+            <a:r>
+              <a:t>Dus wat hebben we geleerd? We leerden enkele basisprincipes van getallen in Python. We hebben ook geleerd hoe we moeten rekenen en Python als basisrekenmachine kunnen gebruiken. Vervolgens hebben we het afgesloten met het leren over variabele toewijzing in Python.</a:t>
+            </a:r>
+            <a:br/>
+            <a:br/>
+          </a:p>
         </p:txBody>
       </p:sp>
     </p:spTree>

--- a/Notebooks/Nederlands/02 - Objecten datastructuren en operatoren/02 - Getallen.pptx
+++ b/Notebooks/Nederlands/02 - Objecten datastructuren en operatoren/02 - Getallen.pptx
@@ -8,7 +8,7 @@
     <p:sldId id="256" r:id="rId2"/>
     <p:sldId id="257" r:id="rId3"/>
   </p:sldIdLst>
-  <p:sldSz cx="9144000" cy="5143500" type="screen16x9"/>
+  <p:sldSz cx="9144000" cy="6858000" type="screen4x3"/>
   <p:notesSz cx="6858000" cy="9144000"/>
   <p:defaultTextStyle>
     <a:defPPr>
@@ -108,12 +108,12 @@
   <p:extLst>
     <p:ext uri="{EFAFB233-063F-42B5-8137-9DF3F51BA10A}">
       <p15:sldGuideLst xmlns:p15="http://schemas.microsoft.com/office/powerpoint/2012/main">
-        <p15:guide id="1" orient="horz" pos="1620" userDrawn="1">
+        <p15:guide id="1" orient="horz" pos="2160">
           <p15:clr>
             <a:srgbClr val="A4A3A4"/>
           </p15:clr>
         </p15:guide>
-        <p15:guide id="2" pos="2880" userDrawn="1">
+        <p15:guide id="2" pos="2880">
           <p15:clr>
             <a:srgbClr val="A4A3A4"/>
           </p15:clr>
@@ -153,8 +153,8 @@
         </p:nvSpPr>
         <p:spPr>
           <a:xfrm>
-            <a:off x="685800" y="1597819"/>
-            <a:ext cx="7772400" cy="1102519"/>
+            <a:off x="685800" y="2130425"/>
+            <a:ext cx="7772400" cy="1470025"/>
           </a:xfrm>
         </p:spPr>
         <p:txBody>
@@ -162,9 +162,10 @@
           <a:lstStyle/>
           <a:p>
             <a:r>
-              <a:rPr lang="en-US"/>
+              <a:rPr lang="en-US" smtClean="0"/>
               <a:t>Click to edit Master title style</a:t>
             </a:r>
+            <a:endParaRPr lang="en-US"/>
           </a:p>
         </p:txBody>
       </p:sp>
@@ -180,8 +181,8 @@
         </p:nvSpPr>
         <p:spPr>
           <a:xfrm>
-            <a:off x="1371600" y="2914650"/>
-            <a:ext cx="6400800" cy="1314450"/>
+            <a:off x="1371600" y="3886200"/>
+            <a:ext cx="6400800" cy="1752600"/>
           </a:xfrm>
         </p:spPr>
         <p:txBody>
@@ -197,7 +198,7 @@
                 </a:solidFill>
               </a:defRPr>
             </a:lvl1pPr>
-            <a:lvl2pPr marL="342900" indent="0" algn="ctr">
+            <a:lvl2pPr marL="457200" indent="0" algn="ctr">
               <a:buNone/>
               <a:defRPr>
                 <a:solidFill>
@@ -207,7 +208,7 @@
                 </a:solidFill>
               </a:defRPr>
             </a:lvl2pPr>
-            <a:lvl3pPr marL="685800" indent="0" algn="ctr">
+            <a:lvl3pPr marL="914400" indent="0" algn="ctr">
               <a:buNone/>
               <a:defRPr>
                 <a:solidFill>
@@ -217,7 +218,7 @@
                 </a:solidFill>
               </a:defRPr>
             </a:lvl3pPr>
-            <a:lvl4pPr marL="1028700" indent="0" algn="ctr">
+            <a:lvl4pPr marL="1371600" indent="0" algn="ctr">
               <a:buNone/>
               <a:defRPr>
                 <a:solidFill>
@@ -227,7 +228,7 @@
                 </a:solidFill>
               </a:defRPr>
             </a:lvl4pPr>
-            <a:lvl5pPr marL="1371600" indent="0" algn="ctr">
+            <a:lvl5pPr marL="1828800" indent="0" algn="ctr">
               <a:buNone/>
               <a:defRPr>
                 <a:solidFill>
@@ -237,7 +238,7 @@
                 </a:solidFill>
               </a:defRPr>
             </a:lvl5pPr>
-            <a:lvl6pPr marL="1714500" indent="0" algn="ctr">
+            <a:lvl6pPr marL="2286000" indent="0" algn="ctr">
               <a:buNone/>
               <a:defRPr>
                 <a:solidFill>
@@ -247,7 +248,7 @@
                 </a:solidFill>
               </a:defRPr>
             </a:lvl6pPr>
-            <a:lvl7pPr marL="2057400" indent="0" algn="ctr">
+            <a:lvl7pPr marL="2743200" indent="0" algn="ctr">
               <a:buNone/>
               <a:defRPr>
                 <a:solidFill>
@@ -257,7 +258,7 @@
                 </a:solidFill>
               </a:defRPr>
             </a:lvl7pPr>
-            <a:lvl8pPr marL="2400300" indent="0" algn="ctr">
+            <a:lvl8pPr marL="3200400" indent="0" algn="ctr">
               <a:buNone/>
               <a:defRPr>
                 <a:solidFill>
@@ -267,7 +268,7 @@
                 </a:solidFill>
               </a:defRPr>
             </a:lvl8pPr>
-            <a:lvl9pPr marL="2743200" indent="0" algn="ctr">
+            <a:lvl9pPr marL="3657600" indent="0" algn="ctr">
               <a:buNone/>
               <a:defRPr>
                 <a:solidFill>
@@ -280,9 +281,10 @@
           </a:lstStyle>
           <a:p>
             <a:r>
-              <a:rPr lang="en-US"/>
+              <a:rPr lang="en-US" smtClean="0"/>
               <a:t>Click to edit Master subtitle style</a:t>
             </a:r>
+            <a:endParaRPr lang="en-US"/>
           </a:p>
         </p:txBody>
       </p:sp>
@@ -303,7 +305,7 @@
           <a:p>
             <a:fld id="{241EB5C9-1307-BA42-ABA2-0BC069CD8E7F}" type="datetimeFigureOut">
               <a:rPr lang="en-US" smtClean="0"/>
-              <a:t>1/2/22</a:t>
+              <a:t>4/5/2019</a:t>
             </a:fld>
             <a:endParaRPr lang="en-US"/>
           </a:p>
@@ -397,9 +399,10 @@
           <a:lstStyle/>
           <a:p>
             <a:r>
-              <a:rPr lang="en-US"/>
+              <a:rPr lang="en-US" smtClean="0"/>
               <a:t>Click to edit Master title style</a:t>
             </a:r>
+            <a:endParaRPr lang="en-US"/>
           </a:p>
         </p:txBody>
       </p:sp>
@@ -420,37 +423,38 @@
           <a:p>
             <a:pPr lvl="0"/>
             <a:r>
-              <a:rPr lang="en-US"/>
+              <a:rPr lang="en-US" smtClean="0"/>
               <a:t>Click to edit Master text styles</a:t>
             </a:r>
           </a:p>
           <a:p>
             <a:pPr lvl="1"/>
             <a:r>
-              <a:rPr lang="en-US"/>
+              <a:rPr lang="en-US" smtClean="0"/>
               <a:t>Second level</a:t>
             </a:r>
           </a:p>
           <a:p>
             <a:pPr lvl="2"/>
             <a:r>
-              <a:rPr lang="en-US"/>
+              <a:rPr lang="en-US" smtClean="0"/>
               <a:t>Third level</a:t>
             </a:r>
           </a:p>
           <a:p>
             <a:pPr lvl="3"/>
             <a:r>
-              <a:rPr lang="en-US"/>
+              <a:rPr lang="en-US" smtClean="0"/>
               <a:t>Fourth level</a:t>
             </a:r>
           </a:p>
           <a:p>
             <a:pPr lvl="4"/>
             <a:r>
-              <a:rPr lang="en-US"/>
+              <a:rPr lang="en-US" smtClean="0"/>
               <a:t>Fifth level</a:t>
             </a:r>
+            <a:endParaRPr lang="en-US"/>
           </a:p>
         </p:txBody>
       </p:sp>
@@ -471,7 +475,7 @@
           <a:p>
             <a:fld id="{241EB5C9-1307-BA42-ABA2-0BC069CD8E7F}" type="datetimeFigureOut">
               <a:rPr lang="en-US" smtClean="0"/>
-              <a:t>1/2/22</a:t>
+              <a:t>4/5/2019</a:t>
             </a:fld>
             <a:endParaRPr lang="en-US"/>
           </a:p>
@@ -561,8 +565,8 @@
         </p:nvSpPr>
         <p:spPr>
           <a:xfrm>
-            <a:off x="6629400" y="205979"/>
-            <a:ext cx="2057400" cy="4388644"/>
+            <a:off x="6629400" y="274638"/>
+            <a:ext cx="2057400" cy="5851525"/>
           </a:xfrm>
         </p:spPr>
         <p:txBody>
@@ -570,9 +574,10 @@
           <a:lstStyle/>
           <a:p>
             <a:r>
-              <a:rPr lang="en-US"/>
+              <a:rPr lang="en-US" smtClean="0"/>
               <a:t>Click to edit Master title style</a:t>
             </a:r>
+            <a:endParaRPr lang="en-US"/>
           </a:p>
         </p:txBody>
       </p:sp>
@@ -588,8 +593,8 @@
         </p:nvSpPr>
         <p:spPr>
           <a:xfrm>
-            <a:off x="457200" y="205979"/>
-            <a:ext cx="6019800" cy="4388644"/>
+            <a:off x="457200" y="274638"/>
+            <a:ext cx="6019800" cy="5851525"/>
           </a:xfrm>
         </p:spPr>
         <p:txBody>
@@ -598,37 +603,38 @@
           <a:p>
             <a:pPr lvl="0"/>
             <a:r>
-              <a:rPr lang="en-US"/>
+              <a:rPr lang="en-US" smtClean="0"/>
               <a:t>Click to edit Master text styles</a:t>
             </a:r>
           </a:p>
           <a:p>
             <a:pPr lvl="1"/>
             <a:r>
-              <a:rPr lang="en-US"/>
+              <a:rPr lang="en-US" smtClean="0"/>
               <a:t>Second level</a:t>
             </a:r>
           </a:p>
           <a:p>
             <a:pPr lvl="2"/>
             <a:r>
-              <a:rPr lang="en-US"/>
+              <a:rPr lang="en-US" smtClean="0"/>
               <a:t>Third level</a:t>
             </a:r>
           </a:p>
           <a:p>
             <a:pPr lvl="3"/>
             <a:r>
-              <a:rPr lang="en-US"/>
+              <a:rPr lang="en-US" smtClean="0"/>
               <a:t>Fourth level</a:t>
             </a:r>
           </a:p>
           <a:p>
             <a:pPr lvl="4"/>
             <a:r>
-              <a:rPr lang="en-US"/>
+              <a:rPr lang="en-US" smtClean="0"/>
               <a:t>Fifth level</a:t>
             </a:r>
+            <a:endParaRPr lang="en-US"/>
           </a:p>
         </p:txBody>
       </p:sp>
@@ -649,7 +655,7 @@
           <a:p>
             <a:fld id="{241EB5C9-1307-BA42-ABA2-0BC069CD8E7F}" type="datetimeFigureOut">
               <a:rPr lang="en-US" smtClean="0"/>
-              <a:t>1/2/22</a:t>
+              <a:t>4/5/2019</a:t>
             </a:fld>
             <a:endParaRPr lang="en-US"/>
           </a:p>
@@ -743,9 +749,10 @@
           <a:lstStyle/>
           <a:p>
             <a:r>
-              <a:rPr lang="en-US"/>
+              <a:rPr lang="en-US" smtClean="0"/>
               <a:t>Click to edit Master title style</a:t>
             </a:r>
+            <a:endParaRPr lang="en-US"/>
           </a:p>
         </p:txBody>
       </p:sp>
@@ -766,37 +773,38 @@
           <a:p>
             <a:pPr lvl="0"/>
             <a:r>
-              <a:rPr lang="en-US"/>
+              <a:rPr lang="en-US" smtClean="0"/>
               <a:t>Click to edit Master text styles</a:t>
             </a:r>
           </a:p>
           <a:p>
             <a:pPr lvl="1"/>
             <a:r>
-              <a:rPr lang="en-US"/>
+              <a:rPr lang="en-US" smtClean="0"/>
               <a:t>Second level</a:t>
             </a:r>
           </a:p>
           <a:p>
             <a:pPr lvl="2"/>
             <a:r>
-              <a:rPr lang="en-US"/>
+              <a:rPr lang="en-US" smtClean="0"/>
               <a:t>Third level</a:t>
             </a:r>
           </a:p>
           <a:p>
             <a:pPr lvl="3"/>
             <a:r>
-              <a:rPr lang="en-US"/>
+              <a:rPr lang="en-US" smtClean="0"/>
               <a:t>Fourth level</a:t>
             </a:r>
           </a:p>
           <a:p>
             <a:pPr lvl="4"/>
             <a:r>
-              <a:rPr lang="en-US"/>
+              <a:rPr lang="en-US" smtClean="0"/>
               <a:t>Fifth level</a:t>
             </a:r>
+            <a:endParaRPr lang="en-US"/>
           </a:p>
         </p:txBody>
       </p:sp>
@@ -817,7 +825,7 @@
           <a:p>
             <a:fld id="{241EB5C9-1307-BA42-ABA2-0BC069CD8E7F}" type="datetimeFigureOut">
               <a:rPr lang="en-US" smtClean="0"/>
-              <a:t>1/2/22</a:t>
+              <a:t>4/5/2019</a:t>
             </a:fld>
             <a:endParaRPr lang="en-US"/>
           </a:p>
@@ -907,22 +915,23 @@
         </p:nvSpPr>
         <p:spPr>
           <a:xfrm>
-            <a:off x="722313" y="3305176"/>
-            <a:ext cx="7772400" cy="1021556"/>
+            <a:off x="722313" y="4406900"/>
+            <a:ext cx="7772400" cy="1362075"/>
           </a:xfrm>
         </p:spPr>
         <p:txBody>
           <a:bodyPr anchor="t"/>
           <a:lstStyle>
             <a:lvl1pPr algn="l">
-              <a:defRPr sz="3000" b="1" cap="all"/>
+              <a:defRPr sz="4000" b="1" cap="all"/>
             </a:lvl1pPr>
           </a:lstStyle>
           <a:p>
             <a:r>
-              <a:rPr lang="en-US"/>
+              <a:rPr lang="en-US" smtClean="0"/>
               <a:t>Click to edit Master title style</a:t>
             </a:r>
+            <a:endParaRPr lang="en-US"/>
           </a:p>
         </p:txBody>
       </p:sp>
@@ -938,8 +947,8 @@
         </p:nvSpPr>
         <p:spPr>
           <a:xfrm>
-            <a:off x="722313" y="2180035"/>
-            <a:ext cx="7772400" cy="1125140"/>
+            <a:off x="722313" y="2906713"/>
+            <a:ext cx="7772400" cy="1500187"/>
           </a:xfrm>
         </p:spPr>
         <p:txBody>
@@ -947,7 +956,7 @@
           <a:lstStyle>
             <a:lvl1pPr marL="0" indent="0">
               <a:buNone/>
-              <a:defRPr sz="1500">
+              <a:defRPr sz="2000">
                 <a:solidFill>
                   <a:schemeClr val="tx1">
                     <a:tint val="75000"/>
@@ -955,9 +964,9 @@
                 </a:solidFill>
               </a:defRPr>
             </a:lvl1pPr>
-            <a:lvl2pPr marL="342900" indent="0">
-              <a:buNone/>
-              <a:defRPr sz="1350">
+            <a:lvl2pPr marL="457200" indent="0">
+              <a:buNone/>
+              <a:defRPr sz="1800">
                 <a:solidFill>
                   <a:schemeClr val="tx1">
                     <a:tint val="75000"/>
@@ -965,9 +974,9 @@
                 </a:solidFill>
               </a:defRPr>
             </a:lvl2pPr>
-            <a:lvl3pPr marL="685800" indent="0">
-              <a:buNone/>
-              <a:defRPr sz="1200">
+            <a:lvl3pPr marL="914400" indent="0">
+              <a:buNone/>
+              <a:defRPr sz="1600">
                 <a:solidFill>
                   <a:schemeClr val="tx1">
                     <a:tint val="75000"/>
@@ -975,9 +984,9 @@
                 </a:solidFill>
               </a:defRPr>
             </a:lvl3pPr>
-            <a:lvl4pPr marL="1028700" indent="0">
-              <a:buNone/>
-              <a:defRPr sz="1050">
+            <a:lvl4pPr marL="1371600" indent="0">
+              <a:buNone/>
+              <a:defRPr sz="1400">
                 <a:solidFill>
                   <a:schemeClr val="tx1">
                     <a:tint val="75000"/>
@@ -985,9 +994,9 @@
                 </a:solidFill>
               </a:defRPr>
             </a:lvl4pPr>
-            <a:lvl5pPr marL="1371600" indent="0">
-              <a:buNone/>
-              <a:defRPr sz="1050">
+            <a:lvl5pPr marL="1828800" indent="0">
+              <a:buNone/>
+              <a:defRPr sz="1400">
                 <a:solidFill>
                   <a:schemeClr val="tx1">
                     <a:tint val="75000"/>
@@ -995,9 +1004,9 @@
                 </a:solidFill>
               </a:defRPr>
             </a:lvl5pPr>
-            <a:lvl6pPr marL="1714500" indent="0">
-              <a:buNone/>
-              <a:defRPr sz="1050">
+            <a:lvl6pPr marL="2286000" indent="0">
+              <a:buNone/>
+              <a:defRPr sz="1400">
                 <a:solidFill>
                   <a:schemeClr val="tx1">
                     <a:tint val="75000"/>
@@ -1005,9 +1014,9 @@
                 </a:solidFill>
               </a:defRPr>
             </a:lvl6pPr>
-            <a:lvl7pPr marL="2057400" indent="0">
-              <a:buNone/>
-              <a:defRPr sz="1050">
+            <a:lvl7pPr marL="2743200" indent="0">
+              <a:buNone/>
+              <a:defRPr sz="1400">
                 <a:solidFill>
                   <a:schemeClr val="tx1">
                     <a:tint val="75000"/>
@@ -1015,9 +1024,9 @@
                 </a:solidFill>
               </a:defRPr>
             </a:lvl7pPr>
-            <a:lvl8pPr marL="2400300" indent="0">
-              <a:buNone/>
-              <a:defRPr sz="1050">
+            <a:lvl8pPr marL="3200400" indent="0">
+              <a:buNone/>
+              <a:defRPr sz="1400">
                 <a:solidFill>
                   <a:schemeClr val="tx1">
                     <a:tint val="75000"/>
@@ -1025,9 +1034,9 @@
                 </a:solidFill>
               </a:defRPr>
             </a:lvl8pPr>
-            <a:lvl9pPr marL="2743200" indent="0">
-              <a:buNone/>
-              <a:defRPr sz="1050">
+            <a:lvl9pPr marL="3657600" indent="0">
+              <a:buNone/>
+              <a:defRPr sz="1400">
                 <a:solidFill>
                   <a:schemeClr val="tx1">
                     <a:tint val="75000"/>
@@ -1039,7 +1048,7 @@
           <a:p>
             <a:pPr lvl="0"/>
             <a:r>
-              <a:rPr lang="en-US"/>
+              <a:rPr lang="en-US" smtClean="0"/>
               <a:t>Click to edit Master text styles</a:t>
             </a:r>
           </a:p>
@@ -1062,7 +1071,7 @@
           <a:p>
             <a:fld id="{241EB5C9-1307-BA42-ABA2-0BC069CD8E7F}" type="datetimeFigureOut">
               <a:rPr lang="en-US" smtClean="0"/>
-              <a:t>1/2/22</a:t>
+              <a:t>4/5/2019</a:t>
             </a:fld>
             <a:endParaRPr lang="en-US"/>
           </a:p>
@@ -1156,9 +1165,10 @@
           <a:lstStyle/>
           <a:p>
             <a:r>
-              <a:rPr lang="en-US"/>
+              <a:rPr lang="en-US" smtClean="0"/>
               <a:t>Click to edit Master title style</a:t>
             </a:r>
+            <a:endParaRPr lang="en-US"/>
           </a:p>
         </p:txBody>
       </p:sp>
@@ -1174,75 +1184,76 @@
         </p:nvSpPr>
         <p:spPr>
           <a:xfrm>
-            <a:off x="457200" y="1200151"/>
-            <a:ext cx="4038600" cy="3394472"/>
+            <a:off x="457200" y="1600200"/>
+            <a:ext cx="4038600" cy="4525963"/>
           </a:xfrm>
         </p:spPr>
         <p:txBody>
           <a:bodyPr/>
           <a:lstStyle>
             <a:lvl1pPr>
-              <a:defRPr sz="2100"/>
+              <a:defRPr sz="2800"/>
             </a:lvl1pPr>
             <a:lvl2pPr>
-              <a:defRPr sz="1800"/>
+              <a:defRPr sz="2400"/>
             </a:lvl2pPr>
             <a:lvl3pPr>
-              <a:defRPr sz="1500"/>
+              <a:defRPr sz="2000"/>
             </a:lvl3pPr>
             <a:lvl4pPr>
-              <a:defRPr sz="1350"/>
+              <a:defRPr sz="1800"/>
             </a:lvl4pPr>
             <a:lvl5pPr>
-              <a:defRPr sz="1350"/>
+              <a:defRPr sz="1800"/>
             </a:lvl5pPr>
             <a:lvl6pPr>
-              <a:defRPr sz="1350"/>
+              <a:defRPr sz="1800"/>
             </a:lvl6pPr>
             <a:lvl7pPr>
-              <a:defRPr sz="1350"/>
+              <a:defRPr sz="1800"/>
             </a:lvl7pPr>
             <a:lvl8pPr>
-              <a:defRPr sz="1350"/>
+              <a:defRPr sz="1800"/>
             </a:lvl8pPr>
             <a:lvl9pPr>
-              <a:defRPr sz="1350"/>
+              <a:defRPr sz="1800"/>
             </a:lvl9pPr>
           </a:lstStyle>
           <a:p>
             <a:pPr lvl="0"/>
             <a:r>
-              <a:rPr lang="en-US"/>
+              <a:rPr lang="en-US" smtClean="0"/>
               <a:t>Click to edit Master text styles</a:t>
             </a:r>
           </a:p>
           <a:p>
             <a:pPr lvl="1"/>
             <a:r>
-              <a:rPr lang="en-US"/>
+              <a:rPr lang="en-US" smtClean="0"/>
               <a:t>Second level</a:t>
             </a:r>
           </a:p>
           <a:p>
             <a:pPr lvl="2"/>
             <a:r>
-              <a:rPr lang="en-US"/>
+              <a:rPr lang="en-US" smtClean="0"/>
               <a:t>Third level</a:t>
             </a:r>
           </a:p>
           <a:p>
             <a:pPr lvl="3"/>
             <a:r>
-              <a:rPr lang="en-US"/>
+              <a:rPr lang="en-US" smtClean="0"/>
               <a:t>Fourth level</a:t>
             </a:r>
           </a:p>
           <a:p>
             <a:pPr lvl="4"/>
             <a:r>
-              <a:rPr lang="en-US"/>
+              <a:rPr lang="en-US" smtClean="0"/>
               <a:t>Fifth level</a:t>
             </a:r>
+            <a:endParaRPr lang="en-US"/>
           </a:p>
         </p:txBody>
       </p:sp>
@@ -1258,75 +1269,76 @@
         </p:nvSpPr>
         <p:spPr>
           <a:xfrm>
-            <a:off x="4648200" y="1200151"/>
-            <a:ext cx="4038600" cy="3394472"/>
+            <a:off x="4648200" y="1600200"/>
+            <a:ext cx="4038600" cy="4525963"/>
           </a:xfrm>
         </p:spPr>
         <p:txBody>
           <a:bodyPr/>
           <a:lstStyle>
             <a:lvl1pPr>
-              <a:defRPr sz="2100"/>
+              <a:defRPr sz="2800"/>
             </a:lvl1pPr>
             <a:lvl2pPr>
-              <a:defRPr sz="1800"/>
+              <a:defRPr sz="2400"/>
             </a:lvl2pPr>
             <a:lvl3pPr>
-              <a:defRPr sz="1500"/>
+              <a:defRPr sz="2000"/>
             </a:lvl3pPr>
             <a:lvl4pPr>
-              <a:defRPr sz="1350"/>
+              <a:defRPr sz="1800"/>
             </a:lvl4pPr>
             <a:lvl5pPr>
-              <a:defRPr sz="1350"/>
+              <a:defRPr sz="1800"/>
             </a:lvl5pPr>
             <a:lvl6pPr>
-              <a:defRPr sz="1350"/>
+              <a:defRPr sz="1800"/>
             </a:lvl6pPr>
             <a:lvl7pPr>
-              <a:defRPr sz="1350"/>
+              <a:defRPr sz="1800"/>
             </a:lvl7pPr>
             <a:lvl8pPr>
-              <a:defRPr sz="1350"/>
+              <a:defRPr sz="1800"/>
             </a:lvl8pPr>
             <a:lvl9pPr>
-              <a:defRPr sz="1350"/>
+              <a:defRPr sz="1800"/>
             </a:lvl9pPr>
           </a:lstStyle>
           <a:p>
             <a:pPr lvl="0"/>
             <a:r>
-              <a:rPr lang="en-US"/>
+              <a:rPr lang="en-US" smtClean="0"/>
               <a:t>Click to edit Master text styles</a:t>
             </a:r>
           </a:p>
           <a:p>
             <a:pPr lvl="1"/>
             <a:r>
-              <a:rPr lang="en-US"/>
+              <a:rPr lang="en-US" smtClean="0"/>
               <a:t>Second level</a:t>
             </a:r>
           </a:p>
           <a:p>
             <a:pPr lvl="2"/>
             <a:r>
-              <a:rPr lang="en-US"/>
+              <a:rPr lang="en-US" smtClean="0"/>
               <a:t>Third level</a:t>
             </a:r>
           </a:p>
           <a:p>
             <a:pPr lvl="3"/>
             <a:r>
-              <a:rPr lang="en-US"/>
+              <a:rPr lang="en-US" smtClean="0"/>
               <a:t>Fourth level</a:t>
             </a:r>
           </a:p>
           <a:p>
             <a:pPr lvl="4"/>
             <a:r>
-              <a:rPr lang="en-US"/>
+              <a:rPr lang="en-US" smtClean="0"/>
               <a:t>Fifth level</a:t>
             </a:r>
+            <a:endParaRPr lang="en-US"/>
           </a:p>
         </p:txBody>
       </p:sp>
@@ -1347,7 +1359,7 @@
           <a:p>
             <a:fld id="{241EB5C9-1307-BA42-ABA2-0BC069CD8E7F}" type="datetimeFigureOut">
               <a:rPr lang="en-US" smtClean="0"/>
-              <a:t>1/2/22</a:t>
+              <a:t>4/5/2019</a:t>
             </a:fld>
             <a:endParaRPr lang="en-US"/>
           </a:p>
@@ -1445,9 +1457,10 @@
           </a:lstStyle>
           <a:p>
             <a:r>
-              <a:rPr lang="en-US"/>
+              <a:rPr lang="en-US" smtClean="0"/>
               <a:t>Click to edit Master title style</a:t>
             </a:r>
+            <a:endParaRPr lang="en-US"/>
           </a:p>
         </p:txBody>
       </p:sp>
@@ -1463,8 +1476,8 @@
         </p:nvSpPr>
         <p:spPr>
           <a:xfrm>
-            <a:off x="457200" y="1151335"/>
-            <a:ext cx="4040188" cy="479822"/>
+            <a:off x="457200" y="1535113"/>
+            <a:ext cx="4040188" cy="639762"/>
           </a:xfrm>
         </p:spPr>
         <p:txBody>
@@ -1472,45 +1485,45 @@
           <a:lstStyle>
             <a:lvl1pPr marL="0" indent="0">
               <a:buNone/>
+              <a:defRPr sz="2400" b="1"/>
+            </a:lvl1pPr>
+            <a:lvl2pPr marL="457200" indent="0">
+              <a:buNone/>
+              <a:defRPr sz="2000" b="1"/>
+            </a:lvl2pPr>
+            <a:lvl3pPr marL="914400" indent="0">
+              <a:buNone/>
               <a:defRPr sz="1800" b="1"/>
-            </a:lvl1pPr>
-            <a:lvl2pPr marL="342900" indent="0">
-              <a:buNone/>
-              <a:defRPr sz="1500" b="1"/>
-            </a:lvl2pPr>
-            <a:lvl3pPr marL="685800" indent="0">
-              <a:buNone/>
-              <a:defRPr sz="1350" b="1"/>
             </a:lvl3pPr>
-            <a:lvl4pPr marL="1028700" indent="0">
-              <a:buNone/>
-              <a:defRPr sz="1200" b="1"/>
+            <a:lvl4pPr marL="1371600" indent="0">
+              <a:buNone/>
+              <a:defRPr sz="1600" b="1"/>
             </a:lvl4pPr>
-            <a:lvl5pPr marL="1371600" indent="0">
-              <a:buNone/>
-              <a:defRPr sz="1200" b="1"/>
+            <a:lvl5pPr marL="1828800" indent="0">
+              <a:buNone/>
+              <a:defRPr sz="1600" b="1"/>
             </a:lvl5pPr>
-            <a:lvl6pPr marL="1714500" indent="0">
-              <a:buNone/>
-              <a:defRPr sz="1200" b="1"/>
+            <a:lvl6pPr marL="2286000" indent="0">
+              <a:buNone/>
+              <a:defRPr sz="1600" b="1"/>
             </a:lvl6pPr>
-            <a:lvl7pPr marL="2057400" indent="0">
-              <a:buNone/>
-              <a:defRPr sz="1200" b="1"/>
+            <a:lvl7pPr marL="2743200" indent="0">
+              <a:buNone/>
+              <a:defRPr sz="1600" b="1"/>
             </a:lvl7pPr>
-            <a:lvl8pPr marL="2400300" indent="0">
-              <a:buNone/>
-              <a:defRPr sz="1200" b="1"/>
+            <a:lvl8pPr marL="3200400" indent="0">
+              <a:buNone/>
+              <a:defRPr sz="1600" b="1"/>
             </a:lvl8pPr>
-            <a:lvl9pPr marL="2743200" indent="0">
-              <a:buNone/>
-              <a:defRPr sz="1200" b="1"/>
+            <a:lvl9pPr marL="3657600" indent="0">
+              <a:buNone/>
+              <a:defRPr sz="1600" b="1"/>
             </a:lvl9pPr>
           </a:lstStyle>
           <a:p>
             <a:pPr lvl="0"/>
             <a:r>
-              <a:rPr lang="en-US"/>
+              <a:rPr lang="en-US" smtClean="0"/>
               <a:t>Click to edit Master text styles</a:t>
             </a:r>
           </a:p>
@@ -1528,75 +1541,76 @@
         </p:nvSpPr>
         <p:spPr>
           <a:xfrm>
-            <a:off x="457200" y="1631156"/>
-            <a:ext cx="4040188" cy="2963466"/>
+            <a:off x="457200" y="2174875"/>
+            <a:ext cx="4040188" cy="3951288"/>
           </a:xfrm>
         </p:spPr>
         <p:txBody>
           <a:bodyPr/>
           <a:lstStyle>
             <a:lvl1pPr>
-              <a:defRPr sz="1800"/>
+              <a:defRPr sz="2400"/>
             </a:lvl1pPr>
             <a:lvl2pPr>
-              <a:defRPr sz="1500"/>
+              <a:defRPr sz="2000"/>
             </a:lvl2pPr>
             <a:lvl3pPr>
-              <a:defRPr sz="1350"/>
+              <a:defRPr sz="1800"/>
             </a:lvl3pPr>
             <a:lvl4pPr>
-              <a:defRPr sz="1200"/>
+              <a:defRPr sz="1600"/>
             </a:lvl4pPr>
             <a:lvl5pPr>
-              <a:defRPr sz="1200"/>
+              <a:defRPr sz="1600"/>
             </a:lvl5pPr>
             <a:lvl6pPr>
-              <a:defRPr sz="1200"/>
+              <a:defRPr sz="1600"/>
             </a:lvl6pPr>
             <a:lvl7pPr>
-              <a:defRPr sz="1200"/>
+              <a:defRPr sz="1600"/>
             </a:lvl7pPr>
             <a:lvl8pPr>
-              <a:defRPr sz="1200"/>
+              <a:defRPr sz="1600"/>
             </a:lvl8pPr>
             <a:lvl9pPr>
-              <a:defRPr sz="1200"/>
+              <a:defRPr sz="1600"/>
             </a:lvl9pPr>
           </a:lstStyle>
           <a:p>
             <a:pPr lvl="0"/>
             <a:r>
-              <a:rPr lang="en-US"/>
+              <a:rPr lang="en-US" smtClean="0"/>
               <a:t>Click to edit Master text styles</a:t>
             </a:r>
           </a:p>
           <a:p>
             <a:pPr lvl="1"/>
             <a:r>
-              <a:rPr lang="en-US"/>
+              <a:rPr lang="en-US" smtClean="0"/>
               <a:t>Second level</a:t>
             </a:r>
           </a:p>
           <a:p>
             <a:pPr lvl="2"/>
             <a:r>
-              <a:rPr lang="en-US"/>
+              <a:rPr lang="en-US" smtClean="0"/>
               <a:t>Third level</a:t>
             </a:r>
           </a:p>
           <a:p>
             <a:pPr lvl="3"/>
             <a:r>
-              <a:rPr lang="en-US"/>
+              <a:rPr lang="en-US" smtClean="0"/>
               <a:t>Fourth level</a:t>
             </a:r>
           </a:p>
           <a:p>
             <a:pPr lvl="4"/>
             <a:r>
-              <a:rPr lang="en-US"/>
+              <a:rPr lang="en-US" smtClean="0"/>
               <a:t>Fifth level</a:t>
             </a:r>
+            <a:endParaRPr lang="en-US"/>
           </a:p>
         </p:txBody>
       </p:sp>
@@ -1612,8 +1626,8 @@
         </p:nvSpPr>
         <p:spPr>
           <a:xfrm>
-            <a:off x="4645026" y="1151335"/>
-            <a:ext cx="4041775" cy="479822"/>
+            <a:off x="4645025" y="1535113"/>
+            <a:ext cx="4041775" cy="639762"/>
           </a:xfrm>
         </p:spPr>
         <p:txBody>
@@ -1621,45 +1635,45 @@
           <a:lstStyle>
             <a:lvl1pPr marL="0" indent="0">
               <a:buNone/>
+              <a:defRPr sz="2400" b="1"/>
+            </a:lvl1pPr>
+            <a:lvl2pPr marL="457200" indent="0">
+              <a:buNone/>
+              <a:defRPr sz="2000" b="1"/>
+            </a:lvl2pPr>
+            <a:lvl3pPr marL="914400" indent="0">
+              <a:buNone/>
               <a:defRPr sz="1800" b="1"/>
-            </a:lvl1pPr>
-            <a:lvl2pPr marL="342900" indent="0">
-              <a:buNone/>
-              <a:defRPr sz="1500" b="1"/>
-            </a:lvl2pPr>
-            <a:lvl3pPr marL="685800" indent="0">
-              <a:buNone/>
-              <a:defRPr sz="1350" b="1"/>
             </a:lvl3pPr>
-            <a:lvl4pPr marL="1028700" indent="0">
-              <a:buNone/>
-              <a:defRPr sz="1200" b="1"/>
+            <a:lvl4pPr marL="1371600" indent="0">
+              <a:buNone/>
+              <a:defRPr sz="1600" b="1"/>
             </a:lvl4pPr>
-            <a:lvl5pPr marL="1371600" indent="0">
-              <a:buNone/>
-              <a:defRPr sz="1200" b="1"/>
+            <a:lvl5pPr marL="1828800" indent="0">
+              <a:buNone/>
+              <a:defRPr sz="1600" b="1"/>
             </a:lvl5pPr>
-            <a:lvl6pPr marL="1714500" indent="0">
-              <a:buNone/>
-              <a:defRPr sz="1200" b="1"/>
+            <a:lvl6pPr marL="2286000" indent="0">
+              <a:buNone/>
+              <a:defRPr sz="1600" b="1"/>
             </a:lvl6pPr>
-            <a:lvl7pPr marL="2057400" indent="0">
-              <a:buNone/>
-              <a:defRPr sz="1200" b="1"/>
+            <a:lvl7pPr marL="2743200" indent="0">
+              <a:buNone/>
+              <a:defRPr sz="1600" b="1"/>
             </a:lvl7pPr>
-            <a:lvl8pPr marL="2400300" indent="0">
-              <a:buNone/>
-              <a:defRPr sz="1200" b="1"/>
+            <a:lvl8pPr marL="3200400" indent="0">
+              <a:buNone/>
+              <a:defRPr sz="1600" b="1"/>
             </a:lvl8pPr>
-            <a:lvl9pPr marL="2743200" indent="0">
-              <a:buNone/>
-              <a:defRPr sz="1200" b="1"/>
+            <a:lvl9pPr marL="3657600" indent="0">
+              <a:buNone/>
+              <a:defRPr sz="1600" b="1"/>
             </a:lvl9pPr>
           </a:lstStyle>
           <a:p>
             <a:pPr lvl="0"/>
             <a:r>
-              <a:rPr lang="en-US"/>
+              <a:rPr lang="en-US" smtClean="0"/>
               <a:t>Click to edit Master text styles</a:t>
             </a:r>
           </a:p>
@@ -1677,75 +1691,76 @@
         </p:nvSpPr>
         <p:spPr>
           <a:xfrm>
-            <a:off x="4645026" y="1631156"/>
-            <a:ext cx="4041775" cy="2963466"/>
+            <a:off x="4645025" y="2174875"/>
+            <a:ext cx="4041775" cy="3951288"/>
           </a:xfrm>
         </p:spPr>
         <p:txBody>
           <a:bodyPr/>
           <a:lstStyle>
             <a:lvl1pPr>
-              <a:defRPr sz="1800"/>
+              <a:defRPr sz="2400"/>
             </a:lvl1pPr>
             <a:lvl2pPr>
-              <a:defRPr sz="1500"/>
+              <a:defRPr sz="2000"/>
             </a:lvl2pPr>
             <a:lvl3pPr>
-              <a:defRPr sz="1350"/>
+              <a:defRPr sz="1800"/>
             </a:lvl3pPr>
             <a:lvl4pPr>
-              <a:defRPr sz="1200"/>
+              <a:defRPr sz="1600"/>
             </a:lvl4pPr>
             <a:lvl5pPr>
-              <a:defRPr sz="1200"/>
+              <a:defRPr sz="1600"/>
             </a:lvl5pPr>
             <a:lvl6pPr>
-              <a:defRPr sz="1200"/>
+              <a:defRPr sz="1600"/>
             </a:lvl6pPr>
             <a:lvl7pPr>
-              <a:defRPr sz="1200"/>
+              <a:defRPr sz="1600"/>
             </a:lvl7pPr>
             <a:lvl8pPr>
-              <a:defRPr sz="1200"/>
+              <a:defRPr sz="1600"/>
             </a:lvl8pPr>
             <a:lvl9pPr>
-              <a:defRPr sz="1200"/>
+              <a:defRPr sz="1600"/>
             </a:lvl9pPr>
           </a:lstStyle>
           <a:p>
             <a:pPr lvl="0"/>
             <a:r>
-              <a:rPr lang="en-US"/>
+              <a:rPr lang="en-US" smtClean="0"/>
               <a:t>Click to edit Master text styles</a:t>
             </a:r>
           </a:p>
           <a:p>
             <a:pPr lvl="1"/>
             <a:r>
-              <a:rPr lang="en-US"/>
+              <a:rPr lang="en-US" smtClean="0"/>
               <a:t>Second level</a:t>
             </a:r>
           </a:p>
           <a:p>
             <a:pPr lvl="2"/>
             <a:r>
-              <a:rPr lang="en-US"/>
+              <a:rPr lang="en-US" smtClean="0"/>
               <a:t>Third level</a:t>
             </a:r>
           </a:p>
           <a:p>
             <a:pPr lvl="3"/>
             <a:r>
-              <a:rPr lang="en-US"/>
+              <a:rPr lang="en-US" smtClean="0"/>
               <a:t>Fourth level</a:t>
             </a:r>
           </a:p>
           <a:p>
             <a:pPr lvl="4"/>
             <a:r>
-              <a:rPr lang="en-US"/>
+              <a:rPr lang="en-US" smtClean="0"/>
               <a:t>Fifth level</a:t>
             </a:r>
+            <a:endParaRPr lang="en-US"/>
           </a:p>
         </p:txBody>
       </p:sp>
@@ -1766,7 +1781,7 @@
           <a:p>
             <a:fld id="{241EB5C9-1307-BA42-ABA2-0BC069CD8E7F}" type="datetimeFigureOut">
               <a:rPr lang="en-US" smtClean="0"/>
-              <a:t>1/2/22</a:t>
+              <a:t>4/5/2019</a:t>
             </a:fld>
             <a:endParaRPr lang="en-US"/>
           </a:p>
@@ -1860,9 +1875,10 @@
           <a:lstStyle/>
           <a:p>
             <a:r>
-              <a:rPr lang="en-US"/>
+              <a:rPr lang="en-US" smtClean="0"/>
               <a:t>Click to edit Master title style</a:t>
             </a:r>
+            <a:endParaRPr lang="en-US"/>
           </a:p>
         </p:txBody>
       </p:sp>
@@ -1883,7 +1899,7 @@
           <a:p>
             <a:fld id="{241EB5C9-1307-BA42-ABA2-0BC069CD8E7F}" type="datetimeFigureOut">
               <a:rPr lang="en-US" smtClean="0"/>
-              <a:t>1/2/22</a:t>
+              <a:t>4/5/2019</a:t>
             </a:fld>
             <a:endParaRPr lang="en-US"/>
           </a:p>
@@ -1978,7 +1994,7 @@
           <a:p>
             <a:fld id="{241EB5C9-1307-BA42-ABA2-0BC069CD8E7F}" type="datetimeFigureOut">
               <a:rPr lang="en-US" smtClean="0"/>
-              <a:t>1/2/22</a:t>
+              <a:t>4/5/2019</a:t>
             </a:fld>
             <a:endParaRPr lang="en-US"/>
           </a:p>
@@ -2068,22 +2084,23 @@
         </p:nvSpPr>
         <p:spPr>
           <a:xfrm>
-            <a:off x="457201" y="204787"/>
-            <a:ext cx="3008313" cy="871538"/>
+            <a:off x="457200" y="273050"/>
+            <a:ext cx="3008313" cy="1162050"/>
           </a:xfrm>
         </p:spPr>
         <p:txBody>
           <a:bodyPr anchor="b"/>
           <a:lstStyle>
             <a:lvl1pPr algn="l">
-              <a:defRPr sz="1500" b="1"/>
+              <a:defRPr sz="2000" b="1"/>
             </a:lvl1pPr>
           </a:lstStyle>
           <a:p>
             <a:r>
-              <a:rPr lang="en-US"/>
+              <a:rPr lang="en-US" smtClean="0"/>
               <a:t>Click to edit Master title style</a:t>
             </a:r>
+            <a:endParaRPr lang="en-US"/>
           </a:p>
         </p:txBody>
       </p:sp>
@@ -2099,75 +2116,76 @@
         </p:nvSpPr>
         <p:spPr>
           <a:xfrm>
-            <a:off x="3575050" y="204788"/>
-            <a:ext cx="5111750" cy="4389835"/>
+            <a:off x="3575050" y="273050"/>
+            <a:ext cx="5111750" cy="5853113"/>
           </a:xfrm>
         </p:spPr>
         <p:txBody>
           <a:bodyPr/>
           <a:lstStyle>
             <a:lvl1pPr>
-              <a:defRPr sz="2400"/>
+              <a:defRPr sz="3200"/>
             </a:lvl1pPr>
             <a:lvl2pPr>
-              <a:defRPr sz="2100"/>
+              <a:defRPr sz="2800"/>
             </a:lvl2pPr>
             <a:lvl3pPr>
-              <a:defRPr sz="1800"/>
+              <a:defRPr sz="2400"/>
             </a:lvl3pPr>
             <a:lvl4pPr>
-              <a:defRPr sz="1500"/>
+              <a:defRPr sz="2000"/>
             </a:lvl4pPr>
             <a:lvl5pPr>
-              <a:defRPr sz="1500"/>
+              <a:defRPr sz="2000"/>
             </a:lvl5pPr>
             <a:lvl6pPr>
-              <a:defRPr sz="1500"/>
+              <a:defRPr sz="2000"/>
             </a:lvl6pPr>
             <a:lvl7pPr>
-              <a:defRPr sz="1500"/>
+              <a:defRPr sz="2000"/>
             </a:lvl7pPr>
             <a:lvl8pPr>
-              <a:defRPr sz="1500"/>
+              <a:defRPr sz="2000"/>
             </a:lvl8pPr>
             <a:lvl9pPr>
-              <a:defRPr sz="1500"/>
+              <a:defRPr sz="2000"/>
             </a:lvl9pPr>
           </a:lstStyle>
           <a:p>
             <a:pPr lvl="0"/>
             <a:r>
-              <a:rPr lang="en-US"/>
+              <a:rPr lang="en-US" smtClean="0"/>
               <a:t>Click to edit Master text styles</a:t>
             </a:r>
           </a:p>
           <a:p>
             <a:pPr lvl="1"/>
             <a:r>
-              <a:rPr lang="en-US"/>
+              <a:rPr lang="en-US" smtClean="0"/>
               <a:t>Second level</a:t>
             </a:r>
           </a:p>
           <a:p>
             <a:pPr lvl="2"/>
             <a:r>
-              <a:rPr lang="en-US"/>
+              <a:rPr lang="en-US" smtClean="0"/>
               <a:t>Third level</a:t>
             </a:r>
           </a:p>
           <a:p>
             <a:pPr lvl="3"/>
             <a:r>
-              <a:rPr lang="en-US"/>
+              <a:rPr lang="en-US" smtClean="0"/>
               <a:t>Fourth level</a:t>
             </a:r>
           </a:p>
           <a:p>
             <a:pPr lvl="4"/>
             <a:r>
-              <a:rPr lang="en-US"/>
+              <a:rPr lang="en-US" smtClean="0"/>
               <a:t>Fifth level</a:t>
             </a:r>
+            <a:endParaRPr lang="en-US"/>
           </a:p>
         </p:txBody>
       </p:sp>
@@ -2183,8 +2201,8 @@
         </p:nvSpPr>
         <p:spPr>
           <a:xfrm>
-            <a:off x="457201" y="1076326"/>
-            <a:ext cx="3008313" cy="3518297"/>
+            <a:off x="457200" y="1435100"/>
+            <a:ext cx="3008313" cy="4691063"/>
           </a:xfrm>
         </p:spPr>
         <p:txBody>
@@ -2192,45 +2210,45 @@
           <a:lstStyle>
             <a:lvl1pPr marL="0" indent="0">
               <a:buNone/>
-              <a:defRPr sz="1050"/>
+              <a:defRPr sz="1400"/>
             </a:lvl1pPr>
-            <a:lvl2pPr marL="342900" indent="0">
+            <a:lvl2pPr marL="457200" indent="0">
+              <a:buNone/>
+              <a:defRPr sz="1200"/>
+            </a:lvl2pPr>
+            <a:lvl3pPr marL="914400" indent="0">
+              <a:buNone/>
+              <a:defRPr sz="1000"/>
+            </a:lvl3pPr>
+            <a:lvl4pPr marL="1371600" indent="0">
               <a:buNone/>
               <a:defRPr sz="900"/>
-            </a:lvl2pPr>
-            <a:lvl3pPr marL="685800" indent="0">
-              <a:buNone/>
-              <a:defRPr sz="750"/>
-            </a:lvl3pPr>
-            <a:lvl4pPr marL="1028700" indent="0">
-              <a:buNone/>
-              <a:defRPr sz="675"/>
             </a:lvl4pPr>
-            <a:lvl5pPr marL="1371600" indent="0">
-              <a:buNone/>
-              <a:defRPr sz="675"/>
+            <a:lvl5pPr marL="1828800" indent="0">
+              <a:buNone/>
+              <a:defRPr sz="900"/>
             </a:lvl5pPr>
-            <a:lvl6pPr marL="1714500" indent="0">
-              <a:buNone/>
-              <a:defRPr sz="675"/>
+            <a:lvl6pPr marL="2286000" indent="0">
+              <a:buNone/>
+              <a:defRPr sz="900"/>
             </a:lvl6pPr>
-            <a:lvl7pPr marL="2057400" indent="0">
-              <a:buNone/>
-              <a:defRPr sz="675"/>
+            <a:lvl7pPr marL="2743200" indent="0">
+              <a:buNone/>
+              <a:defRPr sz="900"/>
             </a:lvl7pPr>
-            <a:lvl8pPr marL="2400300" indent="0">
-              <a:buNone/>
-              <a:defRPr sz="675"/>
+            <a:lvl8pPr marL="3200400" indent="0">
+              <a:buNone/>
+              <a:defRPr sz="900"/>
             </a:lvl8pPr>
-            <a:lvl9pPr marL="2743200" indent="0">
-              <a:buNone/>
-              <a:defRPr sz="675"/>
+            <a:lvl9pPr marL="3657600" indent="0">
+              <a:buNone/>
+              <a:defRPr sz="900"/>
             </a:lvl9pPr>
           </a:lstStyle>
           <a:p>
             <a:pPr lvl="0"/>
             <a:r>
-              <a:rPr lang="en-US"/>
+              <a:rPr lang="en-US" smtClean="0"/>
               <a:t>Click to edit Master text styles</a:t>
             </a:r>
           </a:p>
@@ -2253,7 +2271,7 @@
           <a:p>
             <a:fld id="{241EB5C9-1307-BA42-ABA2-0BC069CD8E7F}" type="datetimeFigureOut">
               <a:rPr lang="en-US" smtClean="0"/>
-              <a:t>1/2/22</a:t>
+              <a:t>4/5/2019</a:t>
             </a:fld>
             <a:endParaRPr lang="en-US"/>
           </a:p>
@@ -2343,22 +2361,23 @@
         </p:nvSpPr>
         <p:spPr>
           <a:xfrm>
-            <a:off x="1792288" y="3600450"/>
-            <a:ext cx="5486400" cy="425054"/>
+            <a:off x="1792288" y="4800600"/>
+            <a:ext cx="5486400" cy="566738"/>
           </a:xfrm>
         </p:spPr>
         <p:txBody>
           <a:bodyPr anchor="b"/>
           <a:lstStyle>
             <a:lvl1pPr algn="l">
-              <a:defRPr sz="1500" b="1"/>
+              <a:defRPr sz="2000" b="1"/>
             </a:lvl1pPr>
           </a:lstStyle>
           <a:p>
             <a:r>
-              <a:rPr lang="en-US"/>
+              <a:rPr lang="en-US" smtClean="0"/>
               <a:t>Click to edit Master title style</a:t>
             </a:r>
+            <a:endParaRPr lang="en-US"/>
           </a:p>
         </p:txBody>
       </p:sp>
@@ -2374,8 +2393,8 @@
         </p:nvSpPr>
         <p:spPr>
           <a:xfrm>
-            <a:off x="1792288" y="459581"/>
-            <a:ext cx="5486400" cy="3086100"/>
+            <a:off x="1792288" y="612775"/>
+            <a:ext cx="5486400" cy="4114800"/>
           </a:xfrm>
         </p:spPr>
         <p:txBody>
@@ -2383,39 +2402,39 @@
           <a:lstStyle>
             <a:lvl1pPr marL="0" indent="0">
               <a:buNone/>
+              <a:defRPr sz="3200"/>
+            </a:lvl1pPr>
+            <a:lvl2pPr marL="457200" indent="0">
+              <a:buNone/>
+              <a:defRPr sz="2800"/>
+            </a:lvl2pPr>
+            <a:lvl3pPr marL="914400" indent="0">
+              <a:buNone/>
               <a:defRPr sz="2400"/>
-            </a:lvl1pPr>
-            <a:lvl2pPr marL="342900" indent="0">
-              <a:buNone/>
-              <a:defRPr sz="2100"/>
-            </a:lvl2pPr>
-            <a:lvl3pPr marL="685800" indent="0">
-              <a:buNone/>
-              <a:defRPr sz="1800"/>
             </a:lvl3pPr>
-            <a:lvl4pPr marL="1028700" indent="0">
-              <a:buNone/>
-              <a:defRPr sz="1500"/>
+            <a:lvl4pPr marL="1371600" indent="0">
+              <a:buNone/>
+              <a:defRPr sz="2000"/>
             </a:lvl4pPr>
-            <a:lvl5pPr marL="1371600" indent="0">
-              <a:buNone/>
-              <a:defRPr sz="1500"/>
+            <a:lvl5pPr marL="1828800" indent="0">
+              <a:buNone/>
+              <a:defRPr sz="2000"/>
             </a:lvl5pPr>
-            <a:lvl6pPr marL="1714500" indent="0">
-              <a:buNone/>
-              <a:defRPr sz="1500"/>
+            <a:lvl6pPr marL="2286000" indent="0">
+              <a:buNone/>
+              <a:defRPr sz="2000"/>
             </a:lvl6pPr>
-            <a:lvl7pPr marL="2057400" indent="0">
-              <a:buNone/>
-              <a:defRPr sz="1500"/>
+            <a:lvl7pPr marL="2743200" indent="0">
+              <a:buNone/>
+              <a:defRPr sz="2000"/>
             </a:lvl7pPr>
-            <a:lvl8pPr marL="2400300" indent="0">
-              <a:buNone/>
-              <a:defRPr sz="1500"/>
+            <a:lvl8pPr marL="3200400" indent="0">
+              <a:buNone/>
+              <a:defRPr sz="2000"/>
             </a:lvl8pPr>
-            <a:lvl9pPr marL="2743200" indent="0">
-              <a:buNone/>
-              <a:defRPr sz="1500"/>
+            <a:lvl9pPr marL="3657600" indent="0">
+              <a:buNone/>
+              <a:defRPr sz="2000"/>
             </a:lvl9pPr>
           </a:lstStyle>
           <a:p>
@@ -2435,8 +2454,8 @@
         </p:nvSpPr>
         <p:spPr>
           <a:xfrm>
-            <a:off x="1792288" y="4025503"/>
-            <a:ext cx="5486400" cy="603647"/>
+            <a:off x="1792288" y="5367338"/>
+            <a:ext cx="5486400" cy="804862"/>
           </a:xfrm>
         </p:spPr>
         <p:txBody>
@@ -2444,45 +2463,45 @@
           <a:lstStyle>
             <a:lvl1pPr marL="0" indent="0">
               <a:buNone/>
-              <a:defRPr sz="1050"/>
+              <a:defRPr sz="1400"/>
             </a:lvl1pPr>
-            <a:lvl2pPr marL="342900" indent="0">
+            <a:lvl2pPr marL="457200" indent="0">
+              <a:buNone/>
+              <a:defRPr sz="1200"/>
+            </a:lvl2pPr>
+            <a:lvl3pPr marL="914400" indent="0">
+              <a:buNone/>
+              <a:defRPr sz="1000"/>
+            </a:lvl3pPr>
+            <a:lvl4pPr marL="1371600" indent="0">
               <a:buNone/>
               <a:defRPr sz="900"/>
-            </a:lvl2pPr>
-            <a:lvl3pPr marL="685800" indent="0">
-              <a:buNone/>
-              <a:defRPr sz="750"/>
-            </a:lvl3pPr>
-            <a:lvl4pPr marL="1028700" indent="0">
-              <a:buNone/>
-              <a:defRPr sz="675"/>
             </a:lvl4pPr>
-            <a:lvl5pPr marL="1371600" indent="0">
-              <a:buNone/>
-              <a:defRPr sz="675"/>
+            <a:lvl5pPr marL="1828800" indent="0">
+              <a:buNone/>
+              <a:defRPr sz="900"/>
             </a:lvl5pPr>
-            <a:lvl6pPr marL="1714500" indent="0">
-              <a:buNone/>
-              <a:defRPr sz="675"/>
+            <a:lvl6pPr marL="2286000" indent="0">
+              <a:buNone/>
+              <a:defRPr sz="900"/>
             </a:lvl6pPr>
-            <a:lvl7pPr marL="2057400" indent="0">
-              <a:buNone/>
-              <a:defRPr sz="675"/>
+            <a:lvl7pPr marL="2743200" indent="0">
+              <a:buNone/>
+              <a:defRPr sz="900"/>
             </a:lvl7pPr>
-            <a:lvl8pPr marL="2400300" indent="0">
-              <a:buNone/>
-              <a:defRPr sz="675"/>
+            <a:lvl8pPr marL="3200400" indent="0">
+              <a:buNone/>
+              <a:defRPr sz="900"/>
             </a:lvl8pPr>
-            <a:lvl9pPr marL="2743200" indent="0">
-              <a:buNone/>
-              <a:defRPr sz="675"/>
+            <a:lvl9pPr marL="3657600" indent="0">
+              <a:buNone/>
+              <a:defRPr sz="900"/>
             </a:lvl9pPr>
           </a:lstStyle>
           <a:p>
             <a:pPr lvl="0"/>
             <a:r>
-              <a:rPr lang="en-US"/>
+              <a:rPr lang="en-US" smtClean="0"/>
               <a:t>Click to edit Master text styles</a:t>
             </a:r>
           </a:p>
@@ -2505,7 +2524,7 @@
           <a:p>
             <a:fld id="{241EB5C9-1307-BA42-ABA2-0BC069CD8E7F}" type="datetimeFigureOut">
               <a:rPr lang="en-US" smtClean="0"/>
-              <a:t>1/2/22</a:t>
+              <a:t>4/5/2019</a:t>
             </a:fld>
             <a:endParaRPr lang="en-US"/>
           </a:p>
@@ -2567,7 +2586,7 @@
 </file>
 
 <file path=ppt/slideMasters/slideMaster1.xml><?xml version="1.0" encoding="utf-8"?>
-<p:sldMaster xmlns:a="http://schemas.openxmlformats.org/drawingml/2006/main" xmlns:p="http://schemas.openxmlformats.org/presentationml/2006/main" xmlns:r="http://schemas.openxmlformats.org/officeDocument/2006/relationships">
+<p:sldMaster xmlns:a="http://schemas.openxmlformats.org/drawingml/2006/main" xmlns:r="http://schemas.openxmlformats.org/officeDocument/2006/relationships" xmlns:p="http://schemas.openxmlformats.org/presentationml/2006/main">
   <p:cSld>
     <p:bg>
       <p:bgRef idx="1001">
@@ -2600,23 +2619,24 @@
         </p:nvSpPr>
         <p:spPr>
           <a:xfrm>
-            <a:off x="457200" y="205979"/>
-            <a:ext cx="8229600" cy="857250"/>
+            <a:off x="457200" y="274638"/>
+            <a:ext cx="8229600" cy="1143000"/>
           </a:xfrm>
           <a:prstGeom prst="rect">
             <a:avLst/>
           </a:prstGeom>
         </p:spPr>
         <p:txBody>
-          <a:bodyPr anchor="ctr" bIns="45720" lIns="91440" rIns="91440" rtlCol="0" tIns="45720" vert="horz">
+          <a:bodyPr vert="horz" lIns="91440" tIns="45720" rIns="91440" bIns="45720" rtlCol="0" anchor="ctr">
             <a:normAutofit/>
           </a:bodyPr>
           <a:lstStyle/>
           <a:p>
             <a:r>
-              <a:rPr lang="en-US"/>
+              <a:rPr lang="en-US" smtClean="0"/>
               <a:t>Click to edit Master title style</a:t>
             </a:r>
+            <a:endParaRPr lang="en-US"/>
           </a:p>
         </p:txBody>
       </p:sp>
@@ -2627,57 +2647,58 @@
             <a:spLocks noGrp="1"/>
           </p:cNvSpPr>
           <p:nvPr>
-            <p:ph idx="1" type="body"/>
+            <p:ph type="body" idx="1"/>
           </p:nvPr>
         </p:nvSpPr>
         <p:spPr>
           <a:xfrm>
-            <a:off x="457200" y="1200151"/>
-            <a:ext cx="8229600" cy="3394472"/>
+            <a:off x="457200" y="1600200"/>
+            <a:ext cx="8229600" cy="4525963"/>
           </a:xfrm>
           <a:prstGeom prst="rect">
             <a:avLst/>
           </a:prstGeom>
         </p:spPr>
         <p:txBody>
-          <a:bodyPr bIns="45720" lIns="91440" rIns="91440" rtlCol="0" tIns="45720" vert="horz">
+          <a:bodyPr vert="horz" lIns="91440" tIns="45720" rIns="91440" bIns="45720" rtlCol="0">
             <a:normAutofit/>
           </a:bodyPr>
           <a:lstStyle/>
           <a:p>
             <a:pPr lvl="0"/>
             <a:r>
-              <a:rPr lang="en-US"/>
+              <a:rPr lang="en-US" smtClean="0"/>
               <a:t>Click to edit Master text styles</a:t>
             </a:r>
           </a:p>
           <a:p>
             <a:pPr lvl="1"/>
             <a:r>
-              <a:rPr lang="en-US"/>
+              <a:rPr lang="en-US" smtClean="0"/>
               <a:t>Second level</a:t>
             </a:r>
           </a:p>
           <a:p>
             <a:pPr lvl="2"/>
             <a:r>
-              <a:rPr lang="en-US"/>
+              <a:rPr lang="en-US" smtClean="0"/>
               <a:t>Third level</a:t>
             </a:r>
           </a:p>
           <a:p>
             <a:pPr lvl="3"/>
             <a:r>
-              <a:rPr lang="en-US"/>
+              <a:rPr lang="en-US" smtClean="0"/>
               <a:t>Fourth level</a:t>
             </a:r>
           </a:p>
           <a:p>
             <a:pPr lvl="4"/>
             <a:r>
-              <a:rPr lang="en-US"/>
+              <a:rPr lang="en-US" smtClean="0"/>
               <a:t>Fifth level</a:t>
             </a:r>
+            <a:endParaRPr lang="en-US"/>
           </a:p>
         </p:txBody>
       </p:sp>
@@ -2688,23 +2709,23 @@
             <a:spLocks noGrp="1"/>
           </p:cNvSpPr>
           <p:nvPr>
-            <p:ph idx="2" sz="half" type="dt"/>
+            <p:ph type="dt" sz="half" idx="2"/>
           </p:nvPr>
         </p:nvSpPr>
         <p:spPr>
           <a:xfrm>
-            <a:off x="457200" y="4767263"/>
-            <a:ext cx="2133600" cy="273844"/>
+            <a:off x="457200" y="6356350"/>
+            <a:ext cx="2133600" cy="365125"/>
           </a:xfrm>
           <a:prstGeom prst="rect">
             <a:avLst/>
           </a:prstGeom>
         </p:spPr>
         <p:txBody>
-          <a:bodyPr anchor="ctr" bIns="45720" lIns="91440" rIns="91440" rtlCol="0" tIns="45720" vert="horz"/>
+          <a:bodyPr vert="horz" lIns="91440" tIns="45720" rIns="91440" bIns="45720" rtlCol="0" anchor="ctr"/>
           <a:lstStyle>
             <a:lvl1pPr algn="l">
-              <a:defRPr sz="900">
+              <a:defRPr sz="1200">
                 <a:solidFill>
                   <a:schemeClr val="tx1">
                     <a:tint val="75000"/>
@@ -2716,7 +2737,7 @@
           <a:p>
             <a:fld id="{241EB5C9-1307-BA42-ABA2-0BC069CD8E7F}" type="datetimeFigureOut">
               <a:rPr lang="en-US" smtClean="0"/>
-              <a:t>1/2/22</a:t>
+              <a:t>4/5/2019</a:t>
             </a:fld>
             <a:endParaRPr lang="en-US"/>
           </a:p>
@@ -2729,23 +2750,23 @@
             <a:spLocks noGrp="1"/>
           </p:cNvSpPr>
           <p:nvPr>
-            <p:ph idx="3" sz="quarter" type="ftr"/>
+            <p:ph type="ftr" sz="quarter" idx="3"/>
           </p:nvPr>
         </p:nvSpPr>
         <p:spPr>
           <a:xfrm>
-            <a:off x="3124200" y="4767263"/>
-            <a:ext cx="2895600" cy="273844"/>
+            <a:off x="3124200" y="6356350"/>
+            <a:ext cx="2895600" cy="365125"/>
           </a:xfrm>
           <a:prstGeom prst="rect">
             <a:avLst/>
           </a:prstGeom>
         </p:spPr>
         <p:txBody>
-          <a:bodyPr anchor="ctr" bIns="45720" lIns="91440" rIns="91440" rtlCol="0" tIns="45720" vert="horz"/>
+          <a:bodyPr vert="horz" lIns="91440" tIns="45720" rIns="91440" bIns="45720" rtlCol="0" anchor="ctr"/>
           <a:lstStyle>
             <a:lvl1pPr algn="ctr">
-              <a:defRPr sz="900">
+              <a:defRPr sz="1200">
                 <a:solidFill>
                   <a:schemeClr val="tx1">
                     <a:tint val="75000"/>
@@ -2766,23 +2787,23 @@
             <a:spLocks noGrp="1"/>
           </p:cNvSpPr>
           <p:nvPr>
-            <p:ph idx="4" sz="quarter" type="sldNum"/>
+            <p:ph type="sldNum" sz="quarter" idx="4"/>
           </p:nvPr>
         </p:nvSpPr>
         <p:spPr>
           <a:xfrm>
-            <a:off x="6553200" y="4767263"/>
-            <a:ext cx="2133600" cy="273844"/>
+            <a:off x="6553200" y="6356350"/>
+            <a:ext cx="2133600" cy="365125"/>
           </a:xfrm>
           <a:prstGeom prst="rect">
             <a:avLst/>
           </a:prstGeom>
         </p:spPr>
         <p:txBody>
-          <a:bodyPr anchor="ctr" bIns="45720" lIns="91440" rIns="91440" rtlCol="0" tIns="45720" vert="horz"/>
+          <a:bodyPr vert="horz" lIns="91440" tIns="45720" rIns="91440" bIns="45720" rtlCol="0" anchor="ctr"/>
           <a:lstStyle>
             <a:lvl1pPr algn="r">
-              <a:defRPr sz="900">
+              <a:defRPr sz="1200">
                 <a:solidFill>
                   <a:schemeClr val="tx1">
                     <a:tint val="75000"/>
@@ -2807,7 +2828,7 @@
       </p:ext>
     </p:extLst>
   </p:cSld>
-  <p:clrMap accent1="accent1" accent2="accent2" accent3="accent3" accent4="accent4" accent5="accent5" accent6="accent6" bg1="lt1" bg2="lt2" folHlink="folHlink" hlink="hlink" tx1="dk1" tx2="dk2"/>
+  <p:clrMap bg1="lt1" tx1="dk1" bg2="lt2" tx2="dk2" accent1="accent1" accent2="accent2" accent3="accent3" accent4="accent4" accent5="accent5" accent6="accent6" hlink="hlink" folHlink="folHlink"/>
   <p:sldLayoutIdLst>
     <p:sldLayoutId id="2147483649" r:id="rId1"/>
     <p:sldLayoutId id="2147483650" r:id="rId2"/>
@@ -2823,12 +2844,12 @@
   </p:sldLayoutIdLst>
   <p:txStyles>
     <p:titleStyle>
-      <a:lvl1pPr algn="ctr" defTabSz="342900" eaLnBrk="1" hangingPunct="1" latinLnBrk="0" rtl="0">
+      <a:lvl1pPr algn="ctr" defTabSz="457200" rtl="0" eaLnBrk="1" latinLnBrk="0" hangingPunct="1">
         <a:spcBef>
           <a:spcPct val="0"/>
         </a:spcBef>
         <a:buNone/>
-        <a:defRPr kern="1200" sz="3300">
+        <a:defRPr sz="4400" kern="1200">
           <a:solidFill>
             <a:schemeClr val="tx1"/>
           </a:solidFill>
@@ -2839,13 +2860,13 @@
       </a:lvl1pPr>
     </p:titleStyle>
     <p:bodyStyle>
-      <a:lvl1pPr algn="l" defTabSz="342900" eaLnBrk="1" hangingPunct="1" indent="-342900" latinLnBrk="0" marL="342900" rtl="0">
+      <a:lvl1pPr marL="342900" indent="-342900" algn="l" defTabSz="457200" rtl="0" eaLnBrk="1" latinLnBrk="0" hangingPunct="1">
         <a:spcBef>
           <a:spcPct val="20000"/>
         </a:spcBef>
         <a:buFont typeface="Arial"/>
         <a:buChar char="•"/>
-        <a:defRPr kern="1200" sz="2400">
+        <a:defRPr sz="3200" kern="1200">
           <a:solidFill>
             <a:schemeClr val="tx1"/>
           </a:solidFill>
@@ -2854,13 +2875,13 @@
           <a:cs typeface="+mn-cs"/>
         </a:defRPr>
       </a:lvl1pPr>
-      <a:lvl2pPr algn="l" defTabSz="342900" eaLnBrk="1" hangingPunct="1" indent="-342900" latinLnBrk="0" marL="685800" rtl="0">
+      <a:lvl2pPr marL="742950" indent="-285750" algn="l" defTabSz="457200" rtl="0" eaLnBrk="1" latinLnBrk="0" hangingPunct="1">
         <a:spcBef>
           <a:spcPct val="20000"/>
         </a:spcBef>
         <a:buFont typeface="Arial"/>
         <a:buChar char="–"/>
-        <a:defRPr kern="1200" sz="2100">
+        <a:defRPr sz="2800" kern="1200">
           <a:solidFill>
             <a:schemeClr val="tx1"/>
           </a:solidFill>
@@ -2869,13 +2890,13 @@
           <a:cs typeface="+mn-cs"/>
         </a:defRPr>
       </a:lvl2pPr>
-      <a:lvl3pPr algn="l" defTabSz="342900" eaLnBrk="1" hangingPunct="1" indent="-342900" latinLnBrk="0" marL="1028700" rtl="0">
+      <a:lvl3pPr marL="1143000" indent="-228600" algn="l" defTabSz="457200" rtl="0" eaLnBrk="1" latinLnBrk="0" hangingPunct="1">
         <a:spcBef>
           <a:spcPct val="20000"/>
         </a:spcBef>
         <a:buFont typeface="Arial"/>
         <a:buChar char="•"/>
-        <a:defRPr kern="1200" sz="1800">
+        <a:defRPr sz="2400" kern="1200">
           <a:solidFill>
             <a:schemeClr val="tx1"/>
           </a:solidFill>
@@ -2884,13 +2905,13 @@
           <a:cs typeface="+mn-cs"/>
         </a:defRPr>
       </a:lvl3pPr>
-      <a:lvl4pPr algn="l" defTabSz="342900" eaLnBrk="1" hangingPunct="1" indent="-342900" latinLnBrk="0" marL="1371600" rtl="0">
+      <a:lvl4pPr marL="1600200" indent="-228600" algn="l" defTabSz="457200" rtl="0" eaLnBrk="1" latinLnBrk="0" hangingPunct="1">
         <a:spcBef>
           <a:spcPct val="20000"/>
         </a:spcBef>
         <a:buFont typeface="Arial"/>
         <a:buChar char="–"/>
-        <a:defRPr kern="1200" sz="1500">
+        <a:defRPr sz="2000" kern="1200">
           <a:solidFill>
             <a:schemeClr val="tx1"/>
           </a:solidFill>
@@ -2899,13 +2920,13 @@
           <a:cs typeface="+mn-cs"/>
         </a:defRPr>
       </a:lvl4pPr>
-      <a:lvl5pPr algn="l" defTabSz="342900" eaLnBrk="1" hangingPunct="1" indent="-342900" latinLnBrk="0" marL="1714500" rtl="0">
+      <a:lvl5pPr marL="2057400" indent="-228600" algn="l" defTabSz="457200" rtl="0" eaLnBrk="1" latinLnBrk="0" hangingPunct="1">
         <a:spcBef>
           <a:spcPct val="20000"/>
         </a:spcBef>
         <a:buFont typeface="Arial"/>
         <a:buChar char="»"/>
-        <a:defRPr kern="1200" sz="1500">
+        <a:defRPr sz="2000" kern="1200">
           <a:solidFill>
             <a:schemeClr val="tx1"/>
           </a:solidFill>
@@ -2914,13 +2935,13 @@
           <a:cs typeface="+mn-cs"/>
         </a:defRPr>
       </a:lvl5pPr>
-      <a:lvl6pPr algn="l" defTabSz="342900" eaLnBrk="1" hangingPunct="1" indent="-342900" latinLnBrk="0" marL="2057400" rtl="0">
+      <a:lvl6pPr marL="2514600" indent="-228600" algn="l" defTabSz="457200" rtl="0" eaLnBrk="1" latinLnBrk="0" hangingPunct="1">
         <a:spcBef>
           <a:spcPct val="20000"/>
         </a:spcBef>
         <a:buFont typeface="Arial"/>
         <a:buChar char="•"/>
-        <a:defRPr kern="1200" sz="1500">
+        <a:defRPr sz="2000" kern="1200">
           <a:solidFill>
             <a:schemeClr val="tx1"/>
           </a:solidFill>
@@ -2929,13 +2950,13 @@
           <a:cs typeface="+mn-cs"/>
         </a:defRPr>
       </a:lvl6pPr>
-      <a:lvl7pPr algn="l" defTabSz="342900" eaLnBrk="1" hangingPunct="1" indent="-342900" latinLnBrk="0" marL="2400300" rtl="0">
+      <a:lvl7pPr marL="2971800" indent="-228600" algn="l" defTabSz="457200" rtl="0" eaLnBrk="1" latinLnBrk="0" hangingPunct="1">
         <a:spcBef>
           <a:spcPct val="20000"/>
         </a:spcBef>
         <a:buFont typeface="Arial"/>
         <a:buChar char="•"/>
-        <a:defRPr kern="1200" sz="1500">
+        <a:defRPr sz="2000" kern="1200">
           <a:solidFill>
             <a:schemeClr val="tx1"/>
           </a:solidFill>
@@ -2944,13 +2965,13 @@
           <a:cs typeface="+mn-cs"/>
         </a:defRPr>
       </a:lvl7pPr>
-      <a:lvl8pPr algn="l" defTabSz="342900" eaLnBrk="1" hangingPunct="1" indent="-342900" latinLnBrk="0" marL="2743200" rtl="0">
+      <a:lvl8pPr marL="3429000" indent="-228600" algn="l" defTabSz="457200" rtl="0" eaLnBrk="1" latinLnBrk="0" hangingPunct="1">
         <a:spcBef>
           <a:spcPct val="20000"/>
         </a:spcBef>
         <a:buFont typeface="Arial"/>
         <a:buChar char="•"/>
-        <a:defRPr kern="1200" sz="1500">
+        <a:defRPr sz="2000" kern="1200">
           <a:solidFill>
             <a:schemeClr val="tx1"/>
           </a:solidFill>
@@ -2959,13 +2980,13 @@
           <a:cs typeface="+mn-cs"/>
         </a:defRPr>
       </a:lvl8pPr>
-      <a:lvl9pPr algn="l" defTabSz="342900" eaLnBrk="1" hangingPunct="1" indent="-342900" latinLnBrk="0" marL="3086100" rtl="0">
+      <a:lvl9pPr marL="3886200" indent="-228600" algn="l" defTabSz="457200" rtl="0" eaLnBrk="1" latinLnBrk="0" hangingPunct="1">
         <a:spcBef>
           <a:spcPct val="20000"/>
         </a:spcBef>
         <a:buFont typeface="Arial"/>
         <a:buChar char="•"/>
-        <a:defRPr kern="1200" sz="1500">
+        <a:defRPr sz="2000" kern="1200">
           <a:solidFill>
             <a:schemeClr val="tx1"/>
           </a:solidFill>
@@ -2979,8 +3000,8 @@
       <a:defPPr>
         <a:defRPr lang="en-US"/>
       </a:defPPr>
-      <a:lvl1pPr algn="l" defTabSz="342900" eaLnBrk="1" hangingPunct="1" latinLnBrk="0" marL="0" rtl="0">
-        <a:defRPr kern="1200" sz="1350">
+      <a:lvl1pPr marL="0" algn="l" defTabSz="457200" rtl="0" eaLnBrk="1" latinLnBrk="0" hangingPunct="1">
+        <a:defRPr sz="1800" kern="1200">
           <a:solidFill>
             <a:schemeClr val="tx1"/>
           </a:solidFill>
@@ -2989,8 +3010,8 @@
           <a:cs typeface="+mn-cs"/>
         </a:defRPr>
       </a:lvl1pPr>
-      <a:lvl2pPr algn="l" defTabSz="342900" eaLnBrk="1" hangingPunct="1" latinLnBrk="0" marL="342900" rtl="0">
-        <a:defRPr kern="1200" sz="1350">
+      <a:lvl2pPr marL="457200" algn="l" defTabSz="457200" rtl="0" eaLnBrk="1" latinLnBrk="0" hangingPunct="1">
+        <a:defRPr sz="1800" kern="1200">
           <a:solidFill>
             <a:schemeClr val="tx1"/>
           </a:solidFill>
@@ -2999,8 +3020,8 @@
           <a:cs typeface="+mn-cs"/>
         </a:defRPr>
       </a:lvl2pPr>
-      <a:lvl3pPr algn="l" defTabSz="342900" eaLnBrk="1" hangingPunct="1" latinLnBrk="0" marL="685800" rtl="0">
-        <a:defRPr kern="1200" sz="1350">
+      <a:lvl3pPr marL="914400" algn="l" defTabSz="457200" rtl="0" eaLnBrk="1" latinLnBrk="0" hangingPunct="1">
+        <a:defRPr sz="1800" kern="1200">
           <a:solidFill>
             <a:schemeClr val="tx1"/>
           </a:solidFill>
@@ -3009,8 +3030,8 @@
           <a:cs typeface="+mn-cs"/>
         </a:defRPr>
       </a:lvl3pPr>
-      <a:lvl4pPr algn="l" defTabSz="342900" eaLnBrk="1" hangingPunct="1" latinLnBrk="0" marL="1028700" rtl="0">
-        <a:defRPr kern="1200" sz="1350">
+      <a:lvl4pPr marL="1371600" algn="l" defTabSz="457200" rtl="0" eaLnBrk="1" latinLnBrk="0" hangingPunct="1">
+        <a:defRPr sz="1800" kern="1200">
           <a:solidFill>
             <a:schemeClr val="tx1"/>
           </a:solidFill>
@@ -3019,8 +3040,8 @@
           <a:cs typeface="+mn-cs"/>
         </a:defRPr>
       </a:lvl4pPr>
-      <a:lvl5pPr algn="l" defTabSz="342900" eaLnBrk="1" hangingPunct="1" latinLnBrk="0" marL="1371600" rtl="0">
-        <a:defRPr kern="1200" sz="1350">
+      <a:lvl5pPr marL="1828800" algn="l" defTabSz="457200" rtl="0" eaLnBrk="1" latinLnBrk="0" hangingPunct="1">
+        <a:defRPr sz="1800" kern="1200">
           <a:solidFill>
             <a:schemeClr val="tx1"/>
           </a:solidFill>
@@ -3029,8 +3050,8 @@
           <a:cs typeface="+mn-cs"/>
         </a:defRPr>
       </a:lvl5pPr>
-      <a:lvl6pPr algn="l" defTabSz="342900" eaLnBrk="1" hangingPunct="1" latinLnBrk="0" marL="1714500" rtl="0">
-        <a:defRPr kern="1200" sz="1350">
+      <a:lvl6pPr marL="2286000" algn="l" defTabSz="457200" rtl="0" eaLnBrk="1" latinLnBrk="0" hangingPunct="1">
+        <a:defRPr sz="1800" kern="1200">
           <a:solidFill>
             <a:schemeClr val="tx1"/>
           </a:solidFill>
@@ -3039,8 +3060,8 @@
           <a:cs typeface="+mn-cs"/>
         </a:defRPr>
       </a:lvl6pPr>
-      <a:lvl7pPr algn="l" defTabSz="342900" eaLnBrk="1" hangingPunct="1" latinLnBrk="0" marL="2057400" rtl="0">
-        <a:defRPr kern="1200" sz="1350">
+      <a:lvl7pPr marL="2743200" algn="l" defTabSz="457200" rtl="0" eaLnBrk="1" latinLnBrk="0" hangingPunct="1">
+        <a:defRPr sz="1800" kern="1200">
           <a:solidFill>
             <a:schemeClr val="tx1"/>
           </a:solidFill>
@@ -3049,8 +3070,8 @@
           <a:cs typeface="+mn-cs"/>
         </a:defRPr>
       </a:lvl7pPr>
-      <a:lvl8pPr algn="l" defTabSz="342900" eaLnBrk="1" hangingPunct="1" latinLnBrk="0" marL="2400300" rtl="0">
-        <a:defRPr kern="1200" sz="1350">
+      <a:lvl8pPr marL="3200400" algn="l" defTabSz="457200" rtl="0" eaLnBrk="1" latinLnBrk="0" hangingPunct="1">
+        <a:defRPr sz="1800" kern="1200">
           <a:solidFill>
             <a:schemeClr val="tx1"/>
           </a:solidFill>
@@ -3059,8 +3080,8 @@
           <a:cs typeface="+mn-cs"/>
         </a:defRPr>
       </a:lvl8pPr>
-      <a:lvl9pPr algn="l" defTabSz="342900" eaLnBrk="1" hangingPunct="1" latinLnBrk="0" marL="2743200" rtl="0">
-        <a:defRPr kern="1200" sz="1350">
+      <a:lvl9pPr marL="3657600" algn="l" defTabSz="457200" rtl="0" eaLnBrk="1" latinLnBrk="0" hangingPunct="1">
+        <a:defRPr sz="1800" kern="1200">
           <a:solidFill>
             <a:schemeClr val="tx1"/>
           </a:solidFill>
@@ -3106,12 +3127,12 @@
           <a:bodyPr/>
           <a:lstStyle/>
           <a:p>
-            <a:pPr lvl="0" indent="0" marL="0">
+            <a:pPr lvl="0" marL="0" indent="0">
               <a:buNone/>
             </a:pPr>
             <a:r>
               <a:rPr/>
-              <a:t>  Python les-materialen</a:t>
+              <a:t>  Python les-materialen  Yilmaz Mustafa, Instructeur Java/Python</a:t>
             </a:r>
           </a:p>
         </p:txBody>
@@ -3153,12 +3174,44 @@
           <a:bodyPr/>
           <a:lstStyle/>
           <a:p>
-            <a:pPr lvl="0" indent="0" marL="0">
+            <a:pPr lvl="0" marL="0" indent="0">
               <a:buNone/>
             </a:pPr>
             <a:r>
               <a:rPr/>
-              <a:t>Getallen en meer in Python</a:t>
+              <a:t>Getallen</a:t>
+            </a:r>
+            <a:r>
+              <a:rPr/>
+              <a:t> </a:t>
+            </a:r>
+            <a:r>
+              <a:rPr/>
+              <a:t>en</a:t>
+            </a:r>
+            <a:r>
+              <a:rPr/>
+              <a:t> </a:t>
+            </a:r>
+            <a:r>
+              <a:rPr/>
+              <a:t>meer</a:t>
+            </a:r>
+            <a:r>
+              <a:rPr/>
+              <a:t> </a:t>
+            </a:r>
+            <a:r>
+              <a:rPr/>
+              <a:t>in</a:t>
+            </a:r>
+            <a:r>
+              <a:rPr/>
+              <a:t> </a:t>
+            </a:r>
+            <a:r>
+              <a:rPr/>
+              <a:t>Python!</a:t>
             </a:r>
           </a:p>
         </p:txBody>
@@ -3178,7 +3231,7 @@
           <a:bodyPr/>
           <a:lstStyle/>
           <a:p>
-            <a:pPr lvl="0" indent="0" marL="0">
+            <a:pPr lvl="0" marL="0" indent="0">
               <a:buNone/>
             </a:pPr>
             <a:r>
@@ -3187,7 +3240,7 @@
             </a:r>
           </a:p>
           <a:p>
-            <a:pPr lvl="0" indent="0" marL="0">
+            <a:pPr lvl="0" marL="0" indent="0">
               <a:buNone/>
             </a:pPr>
             <a:r>
@@ -3210,7 +3263,7 @@
             </a:r>
           </a:p>
           <a:p>
-            <a:pPr lvl="0" indent="0" marL="0">
+            <a:pPr lvl="0" marL="0" indent="0">
               <a:spcBef>
                 <a:spcPts val="3000"/>
               </a:spcBef>
@@ -3222,7 +3275,7 @@
             </a:r>
           </a:p>
           <a:p>
-            <a:pPr lvl="0" indent="0" marL="0">
+            <a:pPr lvl="0" marL="0" indent="0">
               <a:buNone/>
             </a:pPr>
             <a:r>
@@ -3231,7 +3284,7 @@
             </a:r>
           </a:p>
           <a:p>
-            <a:pPr lvl="0" indent="0" marL="0">
+            <a:pPr lvl="0" marL="0" indent="0">
               <a:buNone/>
             </a:pPr>
             <a:r>
@@ -3240,7 +3293,7 @@
             </a:r>
           </a:p>
           <a:p>
-            <a:pPr lvl="0" indent="0" marL="0">
+            <a:pPr lvl="0" marL="0" indent="0">
               <a:buNone/>
             </a:pPr>
             <a:r>
@@ -3249,7 +3302,7 @@
             </a:r>
           </a:p>
           <a:p>
-            <a:pPr lvl="0" indent="0" marL="0">
+            <a:pPr lvl="0" marL="0" indent="0">
               <a:buNone/>
             </a:pPr>
             <a:r>
@@ -3258,7 +3311,7 @@
             </a:r>
           </a:p>
           <a:p>
-            <a:pPr lvl="0" indent="0" marL="0">
+            <a:pPr lvl="0" marL="0" indent="0">
               <a:buNone/>
             </a:pPr>
             <a:r>
@@ -3267,7 +3320,7 @@
             </a:r>
           </a:p>
           <a:p>
-            <a:pPr lvl="0" indent="0" marL="0">
+            <a:pPr lvl="0" marL="0" indent="0">
               <a:buNone/>
             </a:pPr>
             <a:r>
@@ -3276,7 +3329,7 @@
             </a:r>
           </a:p>
           <a:p>
-            <a:pPr lvl="0" indent="0" marL="0">
+            <a:pPr lvl="0" marL="0" indent="0">
               <a:buNone/>
             </a:pPr>
             <a:r>
@@ -3285,7 +3338,7 @@
             </a:r>
           </a:p>
           <a:p>
-            <a:pPr lvl="0" indent="0" marL="0">
+            <a:pPr lvl="0" marL="0" indent="0">
               <a:buNone/>
             </a:pPr>
             <a:r>
@@ -3294,7 +3347,7 @@
             </a:r>
           </a:p>
           <a:p>
-            <a:pPr lvl="0" indent="0" marL="0">
+            <a:pPr lvl="0" marL="0" indent="0">
               <a:buNone/>
             </a:pPr>
             <a:r>
@@ -3303,7 +3356,7 @@
             </a:r>
           </a:p>
           <a:p>
-            <a:pPr lvl="0" indent="0" marL="0">
+            <a:pPr lvl="0" marL="0" indent="0">
               <a:buNone/>
             </a:pPr>
             <a:r>
@@ -3312,7 +3365,7 @@
             </a:r>
           </a:p>
           <a:p>
-            <a:pPr lvl="0" indent="0" marL="0">
+            <a:pPr lvl="0" marL="0" indent="0">
               <a:buNone/>
             </a:pPr>
             <a:r>
@@ -3321,7 +3374,7 @@
             </a:r>
           </a:p>
           <a:p>
-            <a:pPr lvl="0" indent="0" marL="0">
+            <a:pPr lvl="0" marL="0" indent="0">
               <a:buNone/>
             </a:pPr>
             <a:r>
@@ -3330,7 +3383,7 @@
             </a:r>
           </a:p>
           <a:p>
-            <a:pPr lvl="0" indent="0" marL="0">
+            <a:pPr lvl="0" marL="0" indent="0">
               <a:spcBef>
                 <a:spcPts val="3000"/>
               </a:spcBef>
@@ -3661,7 +3714,7 @@
             </a:r>
           </a:p>
           <a:p>
-            <a:pPr lvl="0" indent="0" marL="0">
+            <a:pPr lvl="0" marL="0" indent="0">
               <a:buNone/>
             </a:pPr>
             <a:r>
@@ -3670,7 +3723,7 @@
             </a:r>
           </a:p>
           <a:p>
-            <a:pPr lvl="0" indent="0" marL="0">
+            <a:pPr lvl="0" marL="0" indent="0">
               <a:buNone/>
             </a:pPr>
             <a:r>
@@ -3687,7 +3740,7 @@
             </a:r>
           </a:p>
           <a:p>
-            <a:pPr lvl="0" indent="0" marL="0">
+            <a:pPr lvl="0" marL="0" indent="0">
               <a:buNone/>
             </a:pPr>
             <a:r>
@@ -3749,7 +3802,7 @@
             </a:r>
           </a:p>
           <a:p>
-            <a:pPr lvl="0" indent="0" marL="0">
+            <a:pPr lvl="0" marL="0" indent="0">
               <a:buNone/>
             </a:pPr>
             <a:r>
@@ -3919,7 +3972,7 @@
             </a:r>
           </a:p>
           <a:p>
-            <a:pPr lvl="0" indent="0" marL="0">
+            <a:pPr lvl="0" marL="0" indent="0">
               <a:spcBef>
                 <a:spcPts val="3000"/>
               </a:spcBef>
@@ -4275,7 +4328,7 @@
             </a:r>
           </a:p>
           <a:p>
-            <a:pPr lvl="0" indent="0" marL="0">
+            <a:pPr lvl="0" marL="0" indent="0">
               <a:spcBef>
                 <a:spcPts val="3000"/>
               </a:spcBef>
@@ -4287,7 +4340,7 @@
             </a:r>
           </a:p>
           <a:p>
-            <a:pPr lvl="0" indent="0" marL="0">
+            <a:pPr lvl="0" marL="0" indent="0">
               <a:buNone/>
             </a:pPr>
             <a:r>
@@ -4296,7 +4349,7 @@
             </a:r>
           </a:p>
           <a:p>
-            <a:pPr lvl="0" indent="0" marL="0">
+            <a:pPr lvl="0" marL="0" indent="0">
               <a:buNone/>
             </a:pPr>
             <a:r>
@@ -4350,7 +4403,7 @@
             </a:r>
           </a:p>
           <a:p>
-            <a:pPr lvl="0" indent="0" marL="0">
+            <a:pPr lvl="0" marL="0" indent="0">
               <a:buNone/>
             </a:pPr>
             <a:r>
@@ -4414,7 +4467,7 @@
             </a:r>
           </a:p>
           <a:p>
-            <a:pPr lvl="0" indent="0" marL="0">
+            <a:pPr lvl="0" marL="0" indent="0">
               <a:buNone/>
             </a:pPr>
             <a:r>
@@ -4500,7 +4553,7 @@
             </a:r>
           </a:p>
           <a:p>
-            <a:pPr lvl="0" indent="0" marL="0">
+            <a:pPr lvl="0" marL="0" indent="0">
               <a:buNone/>
             </a:pPr>
             <a:r>
@@ -4624,7 +4677,7 @@
             </a:r>
           </a:p>
           <a:p>
-            <a:pPr lvl="0" indent="0" marL="0">
+            <a:pPr lvl="0" marL="0" indent="0">
               <a:buNone/>
             </a:pPr>
             <a:r>
@@ -4649,7 +4702,7 @@
             </a:r>
           </a:p>
           <a:p>
-            <a:pPr lvl="0" indent="0" marL="0">
+            <a:pPr lvl="0" marL="0" indent="0">
               <a:buNone/>
             </a:pPr>
             <a:r>
@@ -4805,7 +4858,7 @@
             </a:r>
           </a:p>
           <a:p>
-            <a:pPr lvl="0" indent="0" marL="0">
+            <a:pPr lvl="0" marL="0" indent="0">
               <a:buNone/>
             </a:pPr>
             <a:r>
@@ -5138,265 +5191,4 @@
   </a:objectDefaults>
   <a:extraClrSchemeLst/>
 </a:theme>
-</file>
-
-<file path=ppt/theme/theme2.xml><?xml version="1.0" encoding="utf-8"?>
-<a:theme xmlns:a="http://schemas.openxmlformats.org/drawingml/2006/main" name="Office Theme">
-  <a:themeElements>
-    <a:clrScheme name="Office">
-      <a:dk1>
-        <a:sysClr val="windowText" lastClr="000000"/>
-      </a:dk1>
-      <a:lt1>
-        <a:sysClr val="window" lastClr="FFFFFF"/>
-      </a:lt1>
-      <a:dk2>
-        <a:srgbClr val="44546A"/>
-      </a:dk2>
-      <a:lt2>
-        <a:srgbClr val="E7E6E6"/>
-      </a:lt2>
-      <a:accent1>
-        <a:srgbClr val="5B9BD5"/>
-      </a:accent1>
-      <a:accent2>
-        <a:srgbClr val="ED7D31"/>
-      </a:accent2>
-      <a:accent3>
-        <a:srgbClr val="A5A5A5"/>
-      </a:accent3>
-      <a:accent4>
-        <a:srgbClr val="FFC000"/>
-      </a:accent4>
-      <a:accent5>
-        <a:srgbClr val="4472C4"/>
-      </a:accent5>
-      <a:accent6>
-        <a:srgbClr val="70AD47"/>
-      </a:accent6>
-      <a:hlink>
-        <a:srgbClr val="0563C1"/>
-      </a:hlink>
-      <a:folHlink>
-        <a:srgbClr val="954F72"/>
-      </a:folHlink>
-    </a:clrScheme>
-    <a:fontScheme name="Office">
-      <a:majorFont>
-        <a:latin typeface="Calibri Light" panose="020F0302020204030204"/>
-        <a:ea typeface=""/>
-        <a:cs typeface=""/>
-        <a:font script="Jpan" typeface="ＭＳ Ｐゴシック"/>
-        <a:font script="Hang" typeface="맑은 고딕"/>
-        <a:font script="Hans" typeface="宋体"/>
-        <a:font script="Hant" typeface="新細明體"/>
-        <a:font script="Arab" typeface="Times New Roman"/>
-        <a:font script="Hebr" typeface="Times New Roman"/>
-        <a:font script="Thai" typeface="Angsana New"/>
-        <a:font script="Ethi" typeface="Nyala"/>
-        <a:font script="Beng" typeface="Vrinda"/>
-        <a:font script="Gujr" typeface="Shruti"/>
-        <a:font script="Khmr" typeface="MoolBoran"/>
-        <a:font script="Knda" typeface="Tunga"/>
-        <a:font script="Guru" typeface="Raavi"/>
-        <a:font script="Cans" typeface="Euphemia"/>
-        <a:font script="Cher" typeface="Plantagenet Cherokee"/>
-        <a:font script="Yiii" typeface="Microsoft Yi Baiti"/>
-        <a:font script="Tibt" typeface="Microsoft Himalaya"/>
-        <a:font script="Thaa" typeface="MV Boli"/>
-        <a:font script="Deva" typeface="Mangal"/>
-        <a:font script="Telu" typeface="Gautami"/>
-        <a:font script="Taml" typeface="Latha"/>
-        <a:font script="Syrc" typeface="Estrangelo Edessa"/>
-        <a:font script="Orya" typeface="Kalinga"/>
-        <a:font script="Mlym" typeface="Kartika"/>
-        <a:font script="Laoo" typeface="DokChampa"/>
-        <a:font script="Sinh" typeface="Iskoola Pota"/>
-        <a:font script="Mong" typeface="Mongolian Baiti"/>
-        <a:font script="Viet" typeface="Times New Roman"/>
-        <a:font script="Uigh" typeface="Microsoft Uighur"/>
-        <a:font script="Geor" typeface="Sylfaen"/>
-      </a:majorFont>
-      <a:minorFont>
-        <a:latin typeface="Calibri" panose="020F0502020204030204"/>
-        <a:ea typeface=""/>
-        <a:cs typeface=""/>
-        <a:font script="Jpan" typeface="ＭＳ Ｐゴシック"/>
-        <a:font script="Hang" typeface="맑은 고딕"/>
-        <a:font script="Hans" typeface="宋体"/>
-        <a:font script="Hant" typeface="新細明體"/>
-        <a:font script="Arab" typeface="Arial"/>
-        <a:font script="Hebr" typeface="Arial"/>
-        <a:font script="Thai" typeface="Cordia New"/>
-        <a:font script="Ethi" typeface="Nyala"/>
-        <a:font script="Beng" typeface="Vrinda"/>
-        <a:font script="Gujr" typeface="Shruti"/>
-        <a:font script="Khmr" typeface="DaunPenh"/>
-        <a:font script="Knda" typeface="Tunga"/>
-        <a:font script="Guru" typeface="Raavi"/>
-        <a:font script="Cans" typeface="Euphemia"/>
-        <a:font script="Cher" typeface="Plantagenet Cherokee"/>
-        <a:font script="Yiii" typeface="Microsoft Yi Baiti"/>
-        <a:font script="Tibt" typeface="Microsoft Himalaya"/>
-        <a:font script="Thaa" typeface="MV Boli"/>
-        <a:font script="Deva" typeface="Mangal"/>
-        <a:font script="Telu" typeface="Gautami"/>
-        <a:font script="Taml" typeface="Latha"/>
-        <a:font script="Syrc" typeface="Estrangelo Edessa"/>
-        <a:font script="Orya" typeface="Kalinga"/>
-        <a:font script="Mlym" typeface="Kartika"/>
-        <a:font script="Laoo" typeface="DokChampa"/>
-        <a:font script="Sinh" typeface="Iskoola Pota"/>
-        <a:font script="Mong" typeface="Mongolian Baiti"/>
-        <a:font script="Viet" typeface="Arial"/>
-        <a:font script="Uigh" typeface="Microsoft Uighur"/>
-        <a:font script="Geor" typeface="Sylfaen"/>
-      </a:minorFont>
-    </a:fontScheme>
-    <a:fmtScheme name="Office">
-      <a:fillStyleLst>
-        <a:solidFill>
-          <a:schemeClr val="phClr"/>
-        </a:solidFill>
-        <a:gradFill rotWithShape="1">
-          <a:gsLst>
-            <a:gs pos="0">
-              <a:schemeClr val="phClr">
-                <a:lumMod val="110000"/>
-                <a:satMod val="105000"/>
-                <a:tint val="67000"/>
-              </a:schemeClr>
-            </a:gs>
-            <a:gs pos="50000">
-              <a:schemeClr val="phClr">
-                <a:lumMod val="105000"/>
-                <a:satMod val="103000"/>
-                <a:tint val="73000"/>
-              </a:schemeClr>
-            </a:gs>
-            <a:gs pos="100000">
-              <a:schemeClr val="phClr">
-                <a:lumMod val="105000"/>
-                <a:satMod val="109000"/>
-                <a:tint val="81000"/>
-              </a:schemeClr>
-            </a:gs>
-          </a:gsLst>
-          <a:lin ang="5400000" scaled="0"/>
-        </a:gradFill>
-        <a:gradFill rotWithShape="1">
-          <a:gsLst>
-            <a:gs pos="0">
-              <a:schemeClr val="phClr">
-                <a:satMod val="103000"/>
-                <a:lumMod val="102000"/>
-                <a:tint val="94000"/>
-              </a:schemeClr>
-            </a:gs>
-            <a:gs pos="50000">
-              <a:schemeClr val="phClr">
-                <a:satMod val="110000"/>
-                <a:lumMod val="100000"/>
-                <a:shade val="100000"/>
-              </a:schemeClr>
-            </a:gs>
-            <a:gs pos="100000">
-              <a:schemeClr val="phClr">
-                <a:lumMod val="99000"/>
-                <a:satMod val="120000"/>
-                <a:shade val="78000"/>
-              </a:schemeClr>
-            </a:gs>
-          </a:gsLst>
-          <a:lin ang="5400000" scaled="0"/>
-        </a:gradFill>
-      </a:fillStyleLst>
-      <a:lnStyleLst>
-        <a:ln w="6350" cap="flat" cmpd="sng" algn="ctr">
-          <a:solidFill>
-            <a:schemeClr val="phClr"/>
-          </a:solidFill>
-          <a:prstDash val="solid"/>
-          <a:miter lim="800000"/>
-        </a:ln>
-        <a:ln w="12700" cap="flat" cmpd="sng" algn="ctr">
-          <a:solidFill>
-            <a:schemeClr val="phClr"/>
-          </a:solidFill>
-          <a:prstDash val="solid"/>
-          <a:miter lim="800000"/>
-        </a:ln>
-        <a:ln w="19050" cap="flat" cmpd="sng" algn="ctr">
-          <a:solidFill>
-            <a:schemeClr val="phClr"/>
-          </a:solidFill>
-          <a:prstDash val="solid"/>
-          <a:miter lim="800000"/>
-        </a:ln>
-      </a:lnStyleLst>
-      <a:effectStyleLst>
-        <a:effectStyle>
-          <a:effectLst/>
-        </a:effectStyle>
-        <a:effectStyle>
-          <a:effectLst/>
-        </a:effectStyle>
-        <a:effectStyle>
-          <a:effectLst>
-            <a:outerShdw blurRad="57150" dist="19050" dir="5400000" algn="ctr" rotWithShape="0">
-              <a:srgbClr val="000000">
-                <a:alpha val="63000"/>
-              </a:srgbClr>
-            </a:outerShdw>
-          </a:effectLst>
-        </a:effectStyle>
-      </a:effectStyleLst>
-      <a:bgFillStyleLst>
-        <a:solidFill>
-          <a:schemeClr val="phClr"/>
-        </a:solidFill>
-        <a:solidFill>
-          <a:schemeClr val="phClr">
-            <a:tint val="95000"/>
-            <a:satMod val="170000"/>
-          </a:schemeClr>
-        </a:solidFill>
-        <a:gradFill rotWithShape="1">
-          <a:gsLst>
-            <a:gs pos="0">
-              <a:schemeClr val="phClr">
-                <a:tint val="93000"/>
-                <a:satMod val="150000"/>
-                <a:shade val="98000"/>
-                <a:lumMod val="102000"/>
-              </a:schemeClr>
-            </a:gs>
-            <a:gs pos="50000">
-              <a:schemeClr val="phClr">
-                <a:tint val="98000"/>
-                <a:satMod val="130000"/>
-                <a:shade val="90000"/>
-                <a:lumMod val="103000"/>
-              </a:schemeClr>
-            </a:gs>
-            <a:gs pos="100000">
-              <a:schemeClr val="phClr">
-                <a:shade val="63000"/>
-                <a:satMod val="120000"/>
-              </a:schemeClr>
-            </a:gs>
-          </a:gsLst>
-          <a:lin ang="5400000" scaled="0"/>
-        </a:gradFill>
-      </a:bgFillStyleLst>
-    </a:fmtScheme>
-  </a:themeElements>
-  <a:objectDefaults/>
-  <a:extraClrSchemeLst/>
-  <a:extLst>
-    <a:ext uri="{05A4C25C-085E-4340-85A3-A5531E510DB2}">
-      <thm15:themeFamily xmlns:thm15="http://schemas.microsoft.com/office/thememl/2012/main" name="Office Theme" id="{62F939B6-93AF-4DB8-9C6B-D6C7DFDC589F}" vid="{4A3C46E8-61CC-4603-A589-7422A47A8E4A}"/>
-    </a:ext>
-  </a:extLst>
-</a:theme>
 </file>